--- a/UItools-17f-2.pptx
+++ b/UItools-17f-2.pptx
@@ -131,7 +131,7 @@
   </p:defaultTextStyle>
   <p:extLst>
     <p:ext uri="{EFAFB233-063F-42B5-8137-9DF3F51BA10A}">
-      <p15:sldGuideLst xmlns="" xmlns:p15="http://schemas.microsoft.com/office/powerpoint/2012/main">
+      <p15:sldGuideLst xmlns:p15="http://schemas.microsoft.com/office/powerpoint/2012/main" xmlns="">
         <p15:guide id="1" orient="horz" pos="2160">
           <p15:clr>
             <a:srgbClr val="A4A3A4"/>
@@ -3581,13 +3581,8 @@
           <a:p>
             <a:r>
               <a:rPr lang="en-US" sz="3200" dirty="0" smtClean="0"/>
-              <a:t>Jame</a:t>
-            </a:r>
-            <a:r>
-              <a:rPr lang="en-US" sz="3200" dirty="0" smtClean="0"/>
-              <a:t>s Xue</a:t>
-            </a:r>
-            <a:endParaRPr lang="en-US" sz="3200" dirty="0" smtClean="0"/>
+              <a:t>James Xue</a:t>
+            </a:r>
           </a:p>
           <a:p>
             <a:r>
@@ -3598,15 +3593,7 @@
           <a:p>
             <a:r>
               <a:rPr lang="en-US" sz="3200" dirty="0" smtClean="0"/>
-              <a:t>Thurs</a:t>
-            </a:r>
-            <a:r>
-              <a:rPr lang="en-US" sz="3200" dirty="0" smtClean="0"/>
-              <a:t>. Sept. </a:t>
-            </a:r>
-            <a:r>
-              <a:rPr lang="en-US" sz="3200" dirty="0" smtClean="0"/>
-              <a:t>21, 2017</a:t>
+              <a:t>Thurs. Sept. 21, 2017</a:t>
             </a:r>
             <a:endParaRPr lang="en-US" sz="3200" dirty="0"/>
           </a:p>
@@ -5792,18 +5779,13 @@
           <a:p>
             <a:r>
               <a:rPr lang="en-US" sz="3600" dirty="0" smtClean="0"/>
-              <a:t>Build a weather app</a:t>
-            </a:r>
-          </a:p>
-          <a:p>
+              <a:t>Build a weather </a:t>
+            </a:r>
+            <a:r>
+              <a:rPr lang="en-US" sz="3600" dirty="0" smtClean="0"/>
+              <a:t>app</a:t>
+            </a:r>
             <a:endParaRPr lang="en-US" sz="3600" dirty="0" smtClean="0"/>
-          </a:p>
-          <a:p>
-            <a:r>
-              <a:rPr lang="en-US" sz="3600" dirty="0" smtClean="0"/>
-              <a:t>Assignment 1</a:t>
-            </a:r>
-            <a:endParaRPr lang="en-US" sz="3600" dirty="0"/>
           </a:p>
         </p:txBody>
       </p:sp>
@@ -6176,7 +6158,7 @@
         </p:blipFill>
         <p:spPr>
           <a:xfrm>
-            <a:off x="1681682" y="3591586"/>
+            <a:off x="1598861" y="4143816"/>
             <a:ext cx="8828636" cy="2467437"/>
           </a:xfrm>
           <a:prstGeom prst="rect">
@@ -8508,7 +8490,7 @@
   <a:extraClrSchemeLst/>
   <a:extLst>
     <a:ext uri="{05A4C25C-085E-4340-85A3-A5531E510DB2}">
-      <thm15:themeFamily xmlns="" xmlns:thm15="http://schemas.microsoft.com/office/thememl/2012/main" name="Office Theme" id="{62F939B6-93AF-4DB8-9C6B-D6C7DFDC589F}" vid="{4A3C46E8-61CC-4603-A589-7422A47A8E4A}"/>
+      <thm15:themeFamily xmlns:thm15="http://schemas.microsoft.com/office/thememl/2012/main" xmlns="" name="Office Theme" id="{62F939B6-93AF-4DB8-9C6B-D6C7DFDC589F}" vid="{4A3C46E8-61CC-4603-A589-7422A47A8E4A}"/>
     </a:ext>
   </a:extLst>
 </a:theme>

--- a/UItools-17f-2.pptx
+++ b/UItools-17f-2.pptx
@@ -18,17 +18,17 @@
     <p:sldId id="269" r:id="rId6"/>
     <p:sldId id="270" r:id="rId7"/>
     <p:sldId id="267" r:id="rId8"/>
-    <p:sldId id="273" r:id="rId9"/>
-    <p:sldId id="278" r:id="rId10"/>
-    <p:sldId id="258" r:id="rId11"/>
-    <p:sldId id="259" r:id="rId12"/>
-    <p:sldId id="260" r:id="rId13"/>
-    <p:sldId id="271" r:id="rId14"/>
-    <p:sldId id="275" r:id="rId15"/>
-    <p:sldId id="261" r:id="rId16"/>
-    <p:sldId id="279" r:id="rId17"/>
-    <p:sldId id="280" r:id="rId18"/>
-    <p:sldId id="262" r:id="rId19"/>
+    <p:sldId id="258" r:id="rId9"/>
+    <p:sldId id="259" r:id="rId10"/>
+    <p:sldId id="260" r:id="rId11"/>
+    <p:sldId id="271" r:id="rId12"/>
+    <p:sldId id="275" r:id="rId13"/>
+    <p:sldId id="261" r:id="rId14"/>
+    <p:sldId id="279" r:id="rId15"/>
+    <p:sldId id="280" r:id="rId16"/>
+    <p:sldId id="262" r:id="rId17"/>
+    <p:sldId id="273" r:id="rId18"/>
+    <p:sldId id="278" r:id="rId19"/>
     <p:sldId id="265" r:id="rId20"/>
     <p:sldId id="276" r:id="rId21"/>
   </p:sldIdLst>
@@ -3669,12 +3669,7 @@
             <p:ph type="title"/>
           </p:nvPr>
         </p:nvSpPr>
-        <p:spPr>
-          <a:xfrm>
-            <a:off x="838200" y="214195"/>
-            <a:ext cx="10515600" cy="1325563"/>
-          </a:xfrm>
-        </p:spPr>
+        <p:spPr/>
         <p:txBody>
           <a:bodyPr>
             <a:normAutofit/>
@@ -3683,204 +3678,56 @@
           <a:p>
             <a:r>
               <a:rPr lang="en-US" sz="5400" dirty="0" smtClean="0"/>
-              <a:t>jQuery</a:t>
+              <a:t>DOM Traversal and Manipulation</a:t>
             </a:r>
             <a:endParaRPr lang="en-US" sz="5400" dirty="0"/>
           </a:p>
         </p:txBody>
       </p:sp>
-      <p:sp>
-        <p:nvSpPr>
-          <p:cNvPr id="3" name="Content Placeholder 2"/>
-          <p:cNvSpPr>
-            <a:spLocks noGrp="1"/>
-          </p:cNvSpPr>
-          <p:nvPr>
-            <p:ph idx="1"/>
-          </p:nvPr>
-        </p:nvSpPr>
-        <p:spPr>
-          <a:xfrm>
-            <a:off x="766482" y="1301763"/>
-            <a:ext cx="10515600" cy="4351338"/>
-          </a:xfrm>
-        </p:spPr>
-        <p:txBody>
-          <a:bodyPr>
-            <a:normAutofit/>
-          </a:bodyPr>
-          <a:lstStyle/>
-          <a:p>
-            <a:pPr marL="0" indent="0" algn="ctr">
-              <a:buNone/>
-            </a:pPr>
-            <a:r>
-              <a:rPr lang="en-US" sz="3600" dirty="0" smtClean="0"/>
-              <a:t>A </a:t>
-            </a:r>
-            <a:r>
-              <a:rPr lang="en-US" sz="3600" b="1" dirty="0" smtClean="0"/>
-              <a:t>JavaScript</a:t>
-            </a:r>
-            <a:r>
-              <a:rPr lang="en-US" sz="3600" dirty="0" smtClean="0"/>
-              <a:t> </a:t>
-            </a:r>
-            <a:r>
-              <a:rPr lang="en-US" sz="3600" b="1" dirty="0" smtClean="0"/>
-              <a:t>library</a:t>
-            </a:r>
-            <a:r>
-              <a:rPr lang="en-US" sz="3600" dirty="0" smtClean="0"/>
-              <a:t> that simplifies</a:t>
-            </a:r>
-          </a:p>
-          <a:p>
-            <a:pPr marL="0" indent="0" algn="ctr">
-              <a:buNone/>
-            </a:pPr>
-            <a:endParaRPr lang="en-US" sz="3600" dirty="0"/>
-          </a:p>
-          <a:p>
-            <a:pPr marL="0" indent="0" algn="ctr">
-              <a:buNone/>
-            </a:pPr>
-            <a:endParaRPr lang="en-US" sz="3600" dirty="0" smtClean="0"/>
-          </a:p>
-          <a:p>
-            <a:pPr marL="0" indent="0" algn="ctr">
-              <a:buNone/>
-            </a:pPr>
-            <a:endParaRPr lang="en-US" sz="3600" dirty="0"/>
-          </a:p>
-          <a:p>
-            <a:pPr marL="0" indent="0" algn="ctr">
-              <a:buNone/>
-            </a:pPr>
-            <a:endParaRPr lang="en-US" sz="3600" dirty="0" smtClean="0"/>
-          </a:p>
-          <a:p>
-            <a:pPr marL="0" indent="0" algn="ctr">
-              <a:buNone/>
-            </a:pPr>
-            <a:endParaRPr lang="en-US" sz="2400" dirty="0" smtClean="0"/>
-          </a:p>
-          <a:p>
-            <a:pPr marL="0" indent="0" algn="ctr">
-              <a:buNone/>
-            </a:pPr>
-            <a:r>
-              <a:rPr lang="en-US" sz="3600" dirty="0"/>
-              <a:t>w</a:t>
-            </a:r>
-            <a:r>
-              <a:rPr lang="en-US" sz="3600" dirty="0" smtClean="0"/>
-              <a:t>ith an easy-to-use API</a:t>
-            </a:r>
-            <a:endParaRPr lang="en-US" sz="3600" dirty="0"/>
-          </a:p>
-        </p:txBody>
-      </p:sp>
-      <p:sp>
-        <p:nvSpPr>
-          <p:cNvPr id="4" name="Rectangle 3"/>
-          <p:cNvSpPr/>
+      <p:pic>
+        <p:nvPicPr>
+          <p:cNvPr id="1026" name="Picture 2" descr="DOM HTML tree"/>
+          <p:cNvPicPr>
+            <a:picLocks noChangeAspect="1" noChangeArrowheads="1"/>
+          </p:cNvPicPr>
           <p:nvPr/>
-        </p:nvSpPr>
-        <p:spPr>
-          <a:xfrm>
-            <a:off x="1824725" y="2184104"/>
-            <a:ext cx="8941888" cy="2308324"/>
+        </p:nvPicPr>
+        <p:blipFill>
+          <a:blip r:embed="rId2">
+            <a:extLst>
+              <a:ext uri="{28A0092B-C50C-407E-A947-70E740481C1C}">
+                <a14:useLocalDpi xmlns:a14="http://schemas.microsoft.com/office/drawing/2010/main" val="0"/>
+              </a:ext>
+            </a:extLst>
+          </a:blip>
+          <a:srcRect/>
+          <a:stretch>
+            <a:fillRect/>
+          </a:stretch>
+        </p:blipFill>
+        <p:spPr bwMode="auto">
+          <a:xfrm>
+            <a:off x="1875039" y="1608918"/>
+            <a:ext cx="8174395" cy="4474053"/>
           </a:xfrm>
           <a:prstGeom prst="rect">
             <a:avLst/>
           </a:prstGeom>
-        </p:spPr>
-        <p:txBody>
-          <a:bodyPr wrap="square">
-            <a:spAutoFit/>
-          </a:bodyPr>
-          <a:lstStyle/>
-          <a:p>
-            <a:pPr marL="342900" indent="-342900">
-              <a:buFont typeface="Arial" panose="020B0604020202020204" pitchFamily="34" charset="0"/>
-              <a:buChar char="•"/>
-            </a:pPr>
-            <a:r>
-              <a:rPr lang="en-US" sz="3600" dirty="0" smtClean="0"/>
-              <a:t>HTML document traversal and manipulation</a:t>
-            </a:r>
-          </a:p>
-          <a:p>
-            <a:pPr marL="342900" indent="-342900">
-              <a:buFont typeface="Arial" panose="020B0604020202020204" pitchFamily="34" charset="0"/>
-              <a:buChar char="•"/>
-            </a:pPr>
-            <a:r>
-              <a:rPr lang="en-US" sz="3600" dirty="0" smtClean="0"/>
-              <a:t>Event handling</a:t>
-            </a:r>
-          </a:p>
-          <a:p>
-            <a:pPr marL="342900" indent="-342900">
-              <a:buFont typeface="Arial" panose="020B0604020202020204" pitchFamily="34" charset="0"/>
-              <a:buChar char="•"/>
-            </a:pPr>
-            <a:r>
-              <a:rPr lang="en-US" sz="3600" dirty="0" smtClean="0"/>
-              <a:t>Animation</a:t>
-            </a:r>
-          </a:p>
-          <a:p>
-            <a:pPr marL="342900" indent="-342900">
-              <a:buFont typeface="Arial" panose="020B0604020202020204" pitchFamily="34" charset="0"/>
-              <a:buChar char="•"/>
-            </a:pPr>
-            <a:r>
-              <a:rPr lang="en-US" sz="3600" dirty="0" smtClean="0"/>
-              <a:t>AJAX (Asynchronous JavaScript and XML)</a:t>
-            </a:r>
-          </a:p>
-        </p:txBody>
-      </p:sp>
-      <p:sp>
-        <p:nvSpPr>
-          <p:cNvPr id="5" name="Rectangle 4"/>
-          <p:cNvSpPr/>
-          <p:nvPr/>
-        </p:nvSpPr>
-        <p:spPr>
-          <a:xfrm>
-            <a:off x="4568434" y="5422269"/>
-            <a:ext cx="3055132" cy="461665"/>
-          </a:xfrm>
-          <a:prstGeom prst="rect">
-            <a:avLst/>
-          </a:prstGeom>
-        </p:spPr>
-        <p:txBody>
-          <a:bodyPr wrap="none">
-            <a:spAutoFit/>
-          </a:bodyPr>
-          <a:lstStyle/>
-          <a:p>
-            <a:r>
-              <a:rPr lang="en-US" sz="2400" dirty="0" smtClean="0">
-                <a:hlinkClick r:id="rId2"/>
-              </a:rPr>
-              <a:t>http://api.jquery.com/</a:t>
-            </a:r>
-            <a:r>
-              <a:rPr lang="en-US" sz="2400" dirty="0" smtClean="0"/>
-              <a:t> </a:t>
-            </a:r>
-            <a:endParaRPr lang="en-US" sz="2400" dirty="0"/>
-          </a:p>
-        </p:txBody>
-      </p:sp>
-      <p:sp>
-        <p:nvSpPr>
-          <p:cNvPr id="6" name="Slide Number Placeholder 5"/>
+          <a:noFill/>
+          <a:extLst>
+            <a:ext uri="{909E8E84-426E-40dd-AFC4-6F175D3DCCD1}">
+              <a14:hiddenFill xmlns:a14="http://schemas.microsoft.com/office/drawing/2010/main">
+                <a:solidFill>
+                  <a:srgbClr val="FFFFFF"/>
+                </a:solidFill>
+              </a14:hiddenFill>
+            </a:ext>
+          </a:extLst>
+        </p:spPr>
+      </p:pic>
+      <p:sp>
+        <p:nvSpPr>
+          <p:cNvPr id="3" name="Slide Number Placeholder 2"/>
           <p:cNvSpPr>
             <a:spLocks noGrp="1"/>
           </p:cNvSpPr>
@@ -3904,7 +3751,7 @@
     </p:spTree>
     <p:extLst>
       <p:ext uri="{BB962C8B-B14F-4D97-AF65-F5344CB8AC3E}">
-        <p14:creationId xmlns:p14="http://schemas.microsoft.com/office/powerpoint/2010/main" val="3513712917"/>
+        <p14:creationId xmlns:p14="http://schemas.microsoft.com/office/powerpoint/2010/main" val="3256393668"/>
       </p:ext>
     </p:extLst>
   </p:cSld>
@@ -3948,7 +3795,12 @@
             <p:ph type="title"/>
           </p:nvPr>
         </p:nvSpPr>
-        <p:spPr/>
+        <p:spPr>
+          <a:xfrm>
+            <a:off x="775445" y="365125"/>
+            <a:ext cx="10515600" cy="1325563"/>
+          </a:xfrm>
+        </p:spPr>
         <p:txBody>
           <a:bodyPr>
             <a:normAutofit/>
@@ -3957,57 +3809,9 @@
           <a:p>
             <a:r>
               <a:rPr lang="en-US" sz="5400" dirty="0" smtClean="0"/>
-              <a:t>Adding jQuery</a:t>
+              <a:t>Hello World (revisited)</a:t>
             </a:r>
             <a:endParaRPr lang="en-US" sz="5400" dirty="0"/>
-          </a:p>
-        </p:txBody>
-      </p:sp>
-      <p:sp>
-        <p:nvSpPr>
-          <p:cNvPr id="3" name="Content Placeholder 2"/>
-          <p:cNvSpPr>
-            <a:spLocks noGrp="1"/>
-          </p:cNvSpPr>
-          <p:nvPr>
-            <p:ph idx="1"/>
-          </p:nvPr>
-        </p:nvSpPr>
-        <p:spPr/>
-        <p:txBody>
-          <a:bodyPr>
-            <a:normAutofit/>
-          </a:bodyPr>
-          <a:lstStyle/>
-          <a:p>
-            <a:r>
-              <a:rPr lang="en-US" sz="3600" dirty="0" smtClean="0"/>
-              <a:t>Within your directory</a:t>
-            </a:r>
-          </a:p>
-          <a:p>
-            <a:endParaRPr lang="en-US" sz="3600" dirty="0" smtClean="0"/>
-          </a:p>
-          <a:p>
-            <a:endParaRPr lang="en-US" sz="3600" dirty="0"/>
-          </a:p>
-          <a:p>
-            <a:endParaRPr lang="en-US" sz="3600" dirty="0" smtClean="0"/>
-          </a:p>
-          <a:p>
-            <a:r>
-              <a:rPr lang="en-US" sz="3600" dirty="0" smtClean="0"/>
-              <a:t>With a CDN (content delivery network)</a:t>
-            </a:r>
-          </a:p>
-          <a:p>
-            <a:endParaRPr lang="en-US" sz="3600" dirty="0"/>
-          </a:p>
-          <a:p>
-            <a:endParaRPr lang="en-US" sz="3600" dirty="0" smtClean="0"/>
-          </a:p>
-          <a:p>
-            <a:endParaRPr lang="en-US" sz="3600" dirty="0"/>
           </a:p>
         </p:txBody>
       </p:sp>
@@ -4019,25 +3823,131 @@
           </p:cNvPicPr>
           <p:nvPr/>
         </p:nvPicPr>
-        <p:blipFill>
+        <p:blipFill rotWithShape="1">
           <a:blip r:embed="rId2"/>
-          <a:stretch>
-            <a:fillRect/>
-          </a:stretch>
+          <a:srcRect r="4397"/>
+          <a:stretch/>
         </p:blipFill>
         <p:spPr>
           <a:xfrm>
-            <a:off x="1480963" y="5058674"/>
-            <a:ext cx="10142831" cy="901585"/>
+            <a:off x="3126236" y="4891179"/>
+            <a:ext cx="6023956" cy="1878416"/>
           </a:xfrm>
           <a:prstGeom prst="rect">
             <a:avLst/>
           </a:prstGeom>
         </p:spPr>
       </p:pic>
+      <p:sp>
+        <p:nvSpPr>
+          <p:cNvPr id="7" name="Rectangle 6"/>
+          <p:cNvSpPr/>
+          <p:nvPr/>
+        </p:nvSpPr>
+        <p:spPr>
+          <a:xfrm>
+            <a:off x="838200" y="1488475"/>
+            <a:ext cx="1595309" cy="400110"/>
+          </a:xfrm>
+          <a:prstGeom prst="rect">
+            <a:avLst/>
+          </a:prstGeom>
+        </p:spPr>
+        <p:txBody>
+          <a:bodyPr wrap="none">
+            <a:spAutoFit/>
+          </a:bodyPr>
+          <a:lstStyle/>
+          <a:p>
+            <a:r>
+              <a:rPr lang="en-US" sz="2000" b="1" dirty="0">
+                <a:latin typeface="Consolas" panose="020B0609020204030204" pitchFamily="49" charset="0"/>
+                <a:cs typeface="Consolas" panose="020B0609020204030204" pitchFamily="49" charset="0"/>
+              </a:rPr>
+              <a:t>i</a:t>
+            </a:r>
+            <a:r>
+              <a:rPr lang="en-US" sz="2000" b="1" dirty="0" smtClean="0">
+                <a:latin typeface="Consolas" panose="020B0609020204030204" pitchFamily="49" charset="0"/>
+                <a:cs typeface="Consolas" panose="020B0609020204030204" pitchFamily="49" charset="0"/>
+              </a:rPr>
+              <a:t>ndex.html</a:t>
+            </a:r>
+          </a:p>
+        </p:txBody>
+      </p:sp>
+      <p:sp>
+        <p:nvSpPr>
+          <p:cNvPr id="8" name="Rectangle 7"/>
+          <p:cNvSpPr/>
+          <p:nvPr/>
+        </p:nvSpPr>
+        <p:spPr>
+          <a:xfrm>
+            <a:off x="7253942" y="1933035"/>
+            <a:ext cx="1595309" cy="400110"/>
+          </a:xfrm>
+          <a:prstGeom prst="rect">
+            <a:avLst/>
+          </a:prstGeom>
+        </p:spPr>
+        <p:txBody>
+          <a:bodyPr wrap="none">
+            <a:spAutoFit/>
+          </a:bodyPr>
+          <a:lstStyle/>
+          <a:p>
+            <a:r>
+              <a:rPr lang="en-US" sz="2000" b="1" dirty="0" smtClean="0">
+                <a:latin typeface="Consolas" panose="020B0609020204030204" pitchFamily="49" charset="0"/>
+                <a:cs typeface="Consolas" panose="020B0609020204030204" pitchFamily="49" charset="0"/>
+              </a:rPr>
+              <a:t>styles.css</a:t>
+            </a:r>
+          </a:p>
+        </p:txBody>
+      </p:sp>
+      <p:sp>
+        <p:nvSpPr>
+          <p:cNvPr id="9" name="Rectangle 8"/>
+          <p:cNvSpPr/>
+          <p:nvPr/>
+        </p:nvSpPr>
+        <p:spPr>
+          <a:xfrm>
+            <a:off x="5368878" y="4491069"/>
+            <a:ext cx="1454244" cy="400110"/>
+          </a:xfrm>
+          <a:prstGeom prst="rect">
+            <a:avLst/>
+          </a:prstGeom>
+        </p:spPr>
+        <p:txBody>
+          <a:bodyPr wrap="none">
+            <a:spAutoFit/>
+          </a:bodyPr>
+          <a:lstStyle/>
+          <a:p>
+            <a:r>
+              <a:rPr lang="en-US" sz="2000" b="1" dirty="0">
+                <a:latin typeface="Consolas" panose="020B0609020204030204" pitchFamily="49" charset="0"/>
+                <a:cs typeface="Consolas" panose="020B0609020204030204" pitchFamily="49" charset="0"/>
+              </a:rPr>
+              <a:t>s</a:t>
+            </a:r>
+            <a:r>
+              <a:rPr lang="en-US" sz="2000" b="1" dirty="0" smtClean="0">
+                <a:latin typeface="Consolas" panose="020B0609020204030204" pitchFamily="49" charset="0"/>
+                <a:cs typeface="Consolas" panose="020B0609020204030204" pitchFamily="49" charset="0"/>
+              </a:rPr>
+              <a:t>cript.js</a:t>
+            </a:r>
+          </a:p>
+        </p:txBody>
+      </p:sp>
       <p:pic>
         <p:nvPicPr>
-          <p:cNvPr id="4" name="Picture 3"/>
+          <p:cNvPr id="10" name="Picture 9"/>
           <p:cNvPicPr>
             <a:picLocks noChangeAspect="1"/>
           </p:cNvPicPr>
@@ -4051,17 +3961,111 @@
         </p:blipFill>
         <p:spPr>
           <a:xfrm>
-            <a:off x="1480963" y="2548808"/>
-            <a:ext cx="5429250" cy="1104900"/>
+            <a:off x="7253942" y="2439026"/>
+            <a:ext cx="2221206" cy="836072"/>
           </a:xfrm>
           <a:prstGeom prst="rect">
             <a:avLst/>
           </a:prstGeom>
         </p:spPr>
       </p:pic>
-      <p:sp>
-        <p:nvSpPr>
-          <p:cNvPr id="6" name="Slide Number Placeholder 5"/>
+      <p:pic>
+        <p:nvPicPr>
+          <p:cNvPr id="11" name="Picture 10"/>
+          <p:cNvPicPr>
+            <a:picLocks noChangeAspect="1"/>
+          </p:cNvPicPr>
+          <p:nvPr/>
+        </p:nvPicPr>
+        <p:blipFill>
+          <a:blip r:embed="rId4"/>
+          <a:stretch>
+            <a:fillRect/>
+          </a:stretch>
+        </p:blipFill>
+        <p:spPr>
+          <a:xfrm>
+            <a:off x="838200" y="1933035"/>
+            <a:ext cx="5146964" cy="2617313"/>
+          </a:xfrm>
+          <a:prstGeom prst="rect">
+            <a:avLst/>
+          </a:prstGeom>
+        </p:spPr>
+      </p:pic>
+      <p:sp>
+        <p:nvSpPr>
+          <p:cNvPr id="12" name="TextBox 11"/>
+          <p:cNvSpPr txBox="1"/>
+          <p:nvPr/>
+        </p:nvSpPr>
+        <p:spPr>
+          <a:xfrm>
+            <a:off x="7099439" y="633599"/>
+            <a:ext cx="5092561" cy="830997"/>
+          </a:xfrm>
+          <a:prstGeom prst="rect">
+            <a:avLst/>
+          </a:prstGeom>
+          <a:solidFill>
+            <a:schemeClr val="tx1"/>
+          </a:solidFill>
+          <a:ln w="38100">
+            <a:noFill/>
+          </a:ln>
+        </p:spPr>
+        <p:txBody>
+          <a:bodyPr wrap="square" rtlCol="0">
+            <a:spAutoFit/>
+          </a:bodyPr>
+          <a:lstStyle/>
+          <a:p>
+            <a:r>
+              <a:rPr lang="en-US" sz="2400" b="1" dirty="0" smtClean="0">
+                <a:solidFill>
+                  <a:schemeClr val="bg1"/>
+                </a:solidFill>
+              </a:rPr>
+              <a:t>Let’s rewrite this using jQuery!</a:t>
+            </a:r>
+          </a:p>
+          <a:p>
+            <a:r>
+              <a:rPr lang="en-US" sz="2400" b="1" dirty="0" smtClean="0">
+                <a:solidFill>
+                  <a:schemeClr val="bg1"/>
+                </a:solidFill>
+              </a:rPr>
+              <a:t>Hint: check out </a:t>
+            </a:r>
+            <a:r>
+              <a:rPr lang="en-US" sz="2400" b="1" dirty="0" smtClean="0">
+                <a:solidFill>
+                  <a:srgbClr val="FF0000"/>
+                </a:solidFill>
+                <a:hlinkClick r:id="rId5"/>
+              </a:rPr>
+              <a:t>http://api.jquery.com/</a:t>
+            </a:r>
+            <a:r>
+              <a:rPr lang="en-US" sz="2400" b="1" dirty="0" smtClean="0">
+                <a:solidFill>
+                  <a:srgbClr val="FF0000"/>
+                </a:solidFill>
+              </a:rPr>
+              <a:t> </a:t>
+            </a:r>
+            <a:endParaRPr lang="en-US" sz="2400" b="1" dirty="0">
+              <a:solidFill>
+                <a:srgbClr val="FF0000"/>
+              </a:solidFill>
+            </a:endParaRPr>
+          </a:p>
+        </p:txBody>
+      </p:sp>
+      <p:sp>
+        <p:nvSpPr>
+          <p:cNvPr id="3" name="Slide Number Placeholder 2"/>
           <p:cNvSpPr>
             <a:spLocks noGrp="1"/>
           </p:cNvSpPr>
@@ -4085,7 +4089,7 @@
     </p:spTree>
     <p:extLst>
       <p:ext uri="{BB962C8B-B14F-4D97-AF65-F5344CB8AC3E}">
-        <p14:creationId xmlns:p14="http://schemas.microsoft.com/office/powerpoint/2010/main" val="1300070385"/>
+        <p14:creationId xmlns:p14="http://schemas.microsoft.com/office/powerpoint/2010/main" val="2245622091"/>
       </p:ext>
     </p:extLst>
   </p:cSld>
@@ -4138,7 +4142,7 @@
           <a:p>
             <a:r>
               <a:rPr lang="en-US" sz="5400" dirty="0" smtClean="0"/>
-              <a:t>DOM Traversal and Manipulation</a:t>
+              <a:t>Hello World (revisited)</a:t>
             </a:r>
             <a:endParaRPr lang="en-US" sz="5400" dirty="0"/>
           </a:p>
@@ -4146,43 +4150,159 @@
       </p:sp>
       <p:pic>
         <p:nvPicPr>
-          <p:cNvPr id="1026" name="Picture 2" descr="DOM HTML tree"/>
+          <p:cNvPr id="5" name="Picture 4"/>
           <p:cNvPicPr>
-            <a:picLocks noChangeAspect="1" noChangeArrowheads="1"/>
+            <a:picLocks noChangeAspect="1"/>
+          </p:cNvPicPr>
+          <p:nvPr/>
+        </p:nvPicPr>
+        <p:blipFill rotWithShape="1">
+          <a:blip r:embed="rId2"/>
+          <a:srcRect r="4397"/>
+          <a:stretch/>
+        </p:blipFill>
+        <p:spPr>
+          <a:xfrm>
+            <a:off x="413901" y="4788743"/>
+            <a:ext cx="5682099" cy="1771817"/>
+          </a:xfrm>
+          <a:prstGeom prst="rect">
+            <a:avLst/>
+          </a:prstGeom>
+        </p:spPr>
+      </p:pic>
+      <p:sp>
+        <p:nvSpPr>
+          <p:cNvPr id="9" name="Rectangle 8"/>
+          <p:cNvSpPr/>
+          <p:nvPr/>
+        </p:nvSpPr>
+        <p:spPr>
+          <a:xfrm>
+            <a:off x="1970908" y="4388633"/>
+            <a:ext cx="2300630" cy="400110"/>
+          </a:xfrm>
+          <a:prstGeom prst="rect">
+            <a:avLst/>
+          </a:prstGeom>
+        </p:spPr>
+        <p:txBody>
+          <a:bodyPr wrap="none">
+            <a:spAutoFit/>
+          </a:bodyPr>
+          <a:lstStyle/>
+          <a:p>
+            <a:r>
+              <a:rPr lang="en-US" sz="2000" b="1" dirty="0" smtClean="0">
+                <a:latin typeface="Consolas" panose="020B0609020204030204" pitchFamily="49" charset="0"/>
+                <a:cs typeface="Consolas" panose="020B0609020204030204" pitchFamily="49" charset="0"/>
+              </a:rPr>
+              <a:t>(old) script.js</a:t>
+            </a:r>
+          </a:p>
+        </p:txBody>
+      </p:sp>
+      <p:pic>
+        <p:nvPicPr>
+          <p:cNvPr id="4" name="Picture 3"/>
+          <p:cNvPicPr>
+            <a:picLocks noChangeAspect="1"/>
           </p:cNvPicPr>
           <p:nvPr/>
         </p:nvPicPr>
         <p:blipFill>
-          <a:blip r:embed="rId2">
-            <a:extLst>
-              <a:ext uri="{28A0092B-C50C-407E-A947-70E740481C1C}">
-                <a14:useLocalDpi xmlns:a14="http://schemas.microsoft.com/office/drawing/2010/main" val="0"/>
-              </a:ext>
-            </a:extLst>
-          </a:blip>
-          <a:srcRect/>
+          <a:blip r:embed="rId3"/>
           <a:stretch>
             <a:fillRect/>
           </a:stretch>
         </p:blipFill>
-        <p:spPr bwMode="auto">
-          <a:xfrm>
-            <a:off x="1875039" y="1608918"/>
-            <a:ext cx="8174395" cy="4474053"/>
+        <p:spPr>
+          <a:xfrm>
+            <a:off x="235148" y="1416833"/>
+            <a:ext cx="5772150" cy="2971800"/>
           </a:xfrm>
           <a:prstGeom prst="rect">
             <a:avLst/>
           </a:prstGeom>
-          <a:noFill/>
-          <a:extLst>
-            <a:ext uri="{909E8E84-426E-40dd-AFC4-6F175D3DCCD1}">
-              <a14:hiddenFill xmlns:a14="http://schemas.microsoft.com/office/drawing/2010/main">
-                <a:solidFill>
-                  <a:srgbClr val="FFFFFF"/>
-                </a:solidFill>
-              </a14:hiddenFill>
-            </a:ext>
-          </a:extLst>
+        </p:spPr>
+      </p:pic>
+      <p:pic>
+        <p:nvPicPr>
+          <p:cNvPr id="6" name="Picture 5"/>
+          <p:cNvPicPr>
+            <a:picLocks noChangeAspect="1"/>
+          </p:cNvPicPr>
+          <p:nvPr/>
+        </p:nvPicPr>
+        <p:blipFill>
+          <a:blip r:embed="rId4"/>
+          <a:stretch>
+            <a:fillRect/>
+          </a:stretch>
+        </p:blipFill>
+        <p:spPr>
+          <a:xfrm>
+            <a:off x="6441479" y="4851260"/>
+            <a:ext cx="5644402" cy="1646781"/>
+          </a:xfrm>
+          <a:prstGeom prst="rect">
+            <a:avLst/>
+          </a:prstGeom>
+        </p:spPr>
+      </p:pic>
+      <p:sp>
+        <p:nvSpPr>
+          <p:cNvPr id="13" name="Rectangle 12"/>
+          <p:cNvSpPr/>
+          <p:nvPr/>
+        </p:nvSpPr>
+        <p:spPr>
+          <a:xfrm>
+            <a:off x="7313342" y="4418254"/>
+            <a:ext cx="3429144" cy="400110"/>
+          </a:xfrm>
+          <a:prstGeom prst="rect">
+            <a:avLst/>
+          </a:prstGeom>
+        </p:spPr>
+        <p:txBody>
+          <a:bodyPr wrap="none">
+            <a:spAutoFit/>
+          </a:bodyPr>
+          <a:lstStyle/>
+          <a:p>
+            <a:r>
+              <a:rPr lang="en-US" sz="2000" b="1" dirty="0" smtClean="0">
+                <a:latin typeface="Consolas" panose="020B0609020204030204" pitchFamily="49" charset="0"/>
+                <a:cs typeface="Consolas" panose="020B0609020204030204" pitchFamily="49" charset="0"/>
+              </a:rPr>
+              <a:t>(with jQuery) script.js</a:t>
+            </a:r>
+          </a:p>
+        </p:txBody>
+      </p:sp>
+      <p:pic>
+        <p:nvPicPr>
+          <p:cNvPr id="14" name="Picture 13"/>
+          <p:cNvPicPr>
+            <a:picLocks noChangeAspect="1"/>
+          </p:cNvPicPr>
+          <p:nvPr/>
+        </p:nvPicPr>
+        <p:blipFill>
+          <a:blip r:embed="rId5"/>
+          <a:stretch>
+            <a:fillRect/>
+          </a:stretch>
+        </p:blipFill>
+        <p:spPr>
+          <a:xfrm>
+            <a:off x="6098977" y="1550183"/>
+            <a:ext cx="5857875" cy="2705100"/>
+          </a:xfrm>
+          <a:prstGeom prst="rect">
+            <a:avLst/>
+          </a:prstGeom>
         </p:spPr>
       </p:pic>
       <p:sp>
@@ -4211,7 +4331,7 @@
     </p:spTree>
     <p:extLst>
       <p:ext uri="{BB962C8B-B14F-4D97-AF65-F5344CB8AC3E}">
-        <p14:creationId xmlns:p14="http://schemas.microsoft.com/office/powerpoint/2010/main" val="3256393668"/>
+        <p14:creationId xmlns:p14="http://schemas.microsoft.com/office/powerpoint/2010/main" val="1602397314"/>
       </p:ext>
     </p:extLst>
   </p:cSld>
@@ -4255,12 +4375,7 @@
             <p:ph type="title"/>
           </p:nvPr>
         </p:nvSpPr>
-        <p:spPr>
-          <a:xfrm>
-            <a:off x="775445" y="365125"/>
-            <a:ext cx="10515600" cy="1325563"/>
-          </a:xfrm>
-        </p:spPr>
+        <p:spPr/>
         <p:txBody>
           <a:bodyPr>
             <a:normAutofit/>
@@ -4269,7 +4384,7 @@
           <a:p>
             <a:r>
               <a:rPr lang="en-US" sz="5400" dirty="0" smtClean="0"/>
-              <a:t>Hello World (revisited)</a:t>
+              <a:t>Event Handling</a:t>
             </a:r>
             <a:endParaRPr lang="en-US" sz="5400" dirty="0"/>
           </a:p>
@@ -4277,252 +4392,28 @@
       </p:sp>
       <p:pic>
         <p:nvPicPr>
-          <p:cNvPr id="5" name="Picture 4"/>
-          <p:cNvPicPr>
-            <a:picLocks noChangeAspect="1"/>
-          </p:cNvPicPr>
-          <p:nvPr/>
-        </p:nvPicPr>
-        <p:blipFill rotWithShape="1">
-          <a:blip r:embed="rId2"/>
-          <a:srcRect r="4397"/>
-          <a:stretch/>
-        </p:blipFill>
-        <p:spPr>
-          <a:xfrm>
-            <a:off x="3126236" y="4891179"/>
-            <a:ext cx="6023956" cy="1878416"/>
-          </a:xfrm>
-          <a:prstGeom prst="rect">
-            <a:avLst/>
-          </a:prstGeom>
-        </p:spPr>
-      </p:pic>
-      <p:sp>
-        <p:nvSpPr>
-          <p:cNvPr id="7" name="Rectangle 6"/>
-          <p:cNvSpPr/>
-          <p:nvPr/>
-        </p:nvSpPr>
-        <p:spPr>
-          <a:xfrm>
-            <a:off x="838200" y="1488475"/>
-            <a:ext cx="1595309" cy="400110"/>
-          </a:xfrm>
-          <a:prstGeom prst="rect">
-            <a:avLst/>
-          </a:prstGeom>
-        </p:spPr>
-        <p:txBody>
-          <a:bodyPr wrap="none">
-            <a:spAutoFit/>
-          </a:bodyPr>
-          <a:lstStyle/>
-          <a:p>
-            <a:r>
-              <a:rPr lang="en-US" sz="2000" b="1" dirty="0">
-                <a:latin typeface="Consolas" panose="020B0609020204030204" pitchFamily="49" charset="0"/>
-                <a:cs typeface="Consolas" panose="020B0609020204030204" pitchFamily="49" charset="0"/>
-              </a:rPr>
-              <a:t>i</a:t>
-            </a:r>
-            <a:r>
-              <a:rPr lang="en-US" sz="2000" b="1" dirty="0" smtClean="0">
-                <a:latin typeface="Consolas" panose="020B0609020204030204" pitchFamily="49" charset="0"/>
-                <a:cs typeface="Consolas" panose="020B0609020204030204" pitchFamily="49" charset="0"/>
-              </a:rPr>
-              <a:t>ndex.html</a:t>
-            </a:r>
-          </a:p>
-        </p:txBody>
-      </p:sp>
-      <p:sp>
-        <p:nvSpPr>
-          <p:cNvPr id="8" name="Rectangle 7"/>
-          <p:cNvSpPr/>
-          <p:nvPr/>
-        </p:nvSpPr>
-        <p:spPr>
-          <a:xfrm>
-            <a:off x="7253942" y="1933035"/>
-            <a:ext cx="1595309" cy="400110"/>
-          </a:xfrm>
-          <a:prstGeom prst="rect">
-            <a:avLst/>
-          </a:prstGeom>
-        </p:spPr>
-        <p:txBody>
-          <a:bodyPr wrap="none">
-            <a:spAutoFit/>
-          </a:bodyPr>
-          <a:lstStyle/>
-          <a:p>
-            <a:r>
-              <a:rPr lang="en-US" sz="2000" b="1" dirty="0" smtClean="0">
-                <a:latin typeface="Consolas" panose="020B0609020204030204" pitchFamily="49" charset="0"/>
-                <a:cs typeface="Consolas" panose="020B0609020204030204" pitchFamily="49" charset="0"/>
-              </a:rPr>
-              <a:t>styles.css</a:t>
-            </a:r>
-          </a:p>
-        </p:txBody>
-      </p:sp>
-      <p:sp>
-        <p:nvSpPr>
-          <p:cNvPr id="9" name="Rectangle 8"/>
-          <p:cNvSpPr/>
-          <p:nvPr/>
-        </p:nvSpPr>
-        <p:spPr>
-          <a:xfrm>
-            <a:off x="5368878" y="4491069"/>
-            <a:ext cx="1454244" cy="400110"/>
-          </a:xfrm>
-          <a:prstGeom prst="rect">
-            <a:avLst/>
-          </a:prstGeom>
-        </p:spPr>
-        <p:txBody>
-          <a:bodyPr wrap="none">
-            <a:spAutoFit/>
-          </a:bodyPr>
-          <a:lstStyle/>
-          <a:p>
-            <a:r>
-              <a:rPr lang="en-US" sz="2000" b="1" dirty="0">
-                <a:latin typeface="Consolas" panose="020B0609020204030204" pitchFamily="49" charset="0"/>
-                <a:cs typeface="Consolas" panose="020B0609020204030204" pitchFamily="49" charset="0"/>
-              </a:rPr>
-              <a:t>s</a:t>
-            </a:r>
-            <a:r>
-              <a:rPr lang="en-US" sz="2000" b="1" dirty="0" smtClean="0">
-                <a:latin typeface="Consolas" panose="020B0609020204030204" pitchFamily="49" charset="0"/>
-                <a:cs typeface="Consolas" panose="020B0609020204030204" pitchFamily="49" charset="0"/>
-              </a:rPr>
-              <a:t>cript.js</a:t>
-            </a:r>
-          </a:p>
-        </p:txBody>
-      </p:sp>
-      <p:pic>
-        <p:nvPicPr>
-          <p:cNvPr id="10" name="Picture 9"/>
+          <p:cNvPr id="4" name="Picture 3"/>
           <p:cNvPicPr>
             <a:picLocks noChangeAspect="1"/>
           </p:cNvPicPr>
           <p:nvPr/>
         </p:nvPicPr>
         <p:blipFill>
-          <a:blip r:embed="rId3"/>
+          <a:blip r:embed="rId2"/>
           <a:stretch>
             <a:fillRect/>
           </a:stretch>
         </p:blipFill>
         <p:spPr>
           <a:xfrm>
-            <a:off x="7253942" y="2439026"/>
-            <a:ext cx="2221206" cy="836072"/>
+            <a:off x="2491528" y="1843087"/>
+            <a:ext cx="7943038" cy="3957077"/>
           </a:xfrm>
           <a:prstGeom prst="rect">
             <a:avLst/>
           </a:prstGeom>
         </p:spPr>
       </p:pic>
-      <p:pic>
-        <p:nvPicPr>
-          <p:cNvPr id="11" name="Picture 10"/>
-          <p:cNvPicPr>
-            <a:picLocks noChangeAspect="1"/>
-          </p:cNvPicPr>
-          <p:nvPr/>
-        </p:nvPicPr>
-        <p:blipFill>
-          <a:blip r:embed="rId4"/>
-          <a:stretch>
-            <a:fillRect/>
-          </a:stretch>
-        </p:blipFill>
-        <p:spPr>
-          <a:xfrm>
-            <a:off x="838200" y="1933035"/>
-            <a:ext cx="5146964" cy="2617313"/>
-          </a:xfrm>
-          <a:prstGeom prst="rect">
-            <a:avLst/>
-          </a:prstGeom>
-        </p:spPr>
-      </p:pic>
-      <p:sp>
-        <p:nvSpPr>
-          <p:cNvPr id="12" name="TextBox 11"/>
-          <p:cNvSpPr txBox="1"/>
-          <p:nvPr/>
-        </p:nvSpPr>
-        <p:spPr>
-          <a:xfrm>
-            <a:off x="7099439" y="633599"/>
-            <a:ext cx="5092561" cy="830997"/>
-          </a:xfrm>
-          <a:prstGeom prst="rect">
-            <a:avLst/>
-          </a:prstGeom>
-          <a:solidFill>
-            <a:schemeClr val="tx1"/>
-          </a:solidFill>
-          <a:ln w="38100">
-            <a:noFill/>
-          </a:ln>
-        </p:spPr>
-        <p:txBody>
-          <a:bodyPr wrap="square" rtlCol="0">
-            <a:spAutoFit/>
-          </a:bodyPr>
-          <a:lstStyle/>
-          <a:p>
-            <a:r>
-              <a:rPr lang="en-US" sz="2400" b="1" dirty="0" smtClean="0">
-                <a:solidFill>
-                  <a:schemeClr val="bg1"/>
-                </a:solidFill>
-              </a:rPr>
-              <a:t>Let’s rewrite this using jQuery!</a:t>
-            </a:r>
-          </a:p>
-          <a:p>
-            <a:r>
-              <a:rPr lang="en-US" sz="2400" b="1" dirty="0" smtClean="0">
-                <a:solidFill>
-                  <a:schemeClr val="bg1"/>
-                </a:solidFill>
-              </a:rPr>
-              <a:t>Hint: check out </a:t>
-            </a:r>
-            <a:r>
-              <a:rPr lang="en-US" sz="2400" b="1" dirty="0" smtClean="0">
-                <a:solidFill>
-                  <a:srgbClr val="FF0000"/>
-                </a:solidFill>
-                <a:hlinkClick r:id="rId5"/>
-              </a:rPr>
-              <a:t>http://api.jquery.com/</a:t>
-            </a:r>
-            <a:r>
-              <a:rPr lang="en-US" sz="2400" b="1" dirty="0" smtClean="0">
-                <a:solidFill>
-                  <a:srgbClr val="FF0000"/>
-                </a:solidFill>
-              </a:rPr>
-              <a:t> </a:t>
-            </a:r>
-            <a:endParaRPr lang="en-US" sz="2400" b="1" dirty="0">
-              <a:solidFill>
-                <a:srgbClr val="FF0000"/>
-              </a:solidFill>
-            </a:endParaRPr>
-          </a:p>
-        </p:txBody>
-      </p:sp>
       <p:sp>
         <p:nvSpPr>
           <p:cNvPr id="3" name="Slide Number Placeholder 2"/>
@@ -4549,7 +4440,7 @@
     </p:spTree>
     <p:extLst>
       <p:ext uri="{BB962C8B-B14F-4D97-AF65-F5344CB8AC3E}">
-        <p14:creationId xmlns:p14="http://schemas.microsoft.com/office/powerpoint/2010/main" val="2245622091"/>
+        <p14:creationId xmlns:p14="http://schemas.microsoft.com/office/powerpoint/2010/main" val="1330372346"/>
       </p:ext>
     </p:extLst>
   </p:cSld>
@@ -4602,62 +4493,35 @@
           <a:p>
             <a:r>
               <a:rPr lang="en-US" sz="5400" dirty="0" smtClean="0"/>
-              <a:t>Hello World (revisited)</a:t>
+              <a:t>Event Handling</a:t>
             </a:r>
             <a:endParaRPr lang="en-US" sz="5400" dirty="0"/>
           </a:p>
         </p:txBody>
       </p:sp>
-      <p:pic>
-        <p:nvPicPr>
-          <p:cNvPr id="5" name="Picture 4"/>
-          <p:cNvPicPr>
-            <a:picLocks noChangeAspect="1"/>
-          </p:cNvPicPr>
-          <p:nvPr/>
-        </p:nvPicPr>
-        <p:blipFill rotWithShape="1">
-          <a:blip r:embed="rId2"/>
-          <a:srcRect r="4397"/>
-          <a:stretch/>
-        </p:blipFill>
-        <p:spPr>
-          <a:xfrm>
-            <a:off x="413901" y="4788743"/>
-            <a:ext cx="5682099" cy="1771817"/>
-          </a:xfrm>
-          <a:prstGeom prst="rect">
-            <a:avLst/>
-          </a:prstGeom>
-        </p:spPr>
-      </p:pic>
-      <p:sp>
-        <p:nvSpPr>
-          <p:cNvPr id="9" name="Rectangle 8"/>
-          <p:cNvSpPr/>
-          <p:nvPr/>
-        </p:nvSpPr>
-        <p:spPr>
-          <a:xfrm>
-            <a:off x="1970908" y="4388633"/>
-            <a:ext cx="2300630" cy="400110"/>
-          </a:xfrm>
-          <a:prstGeom prst="rect">
-            <a:avLst/>
-          </a:prstGeom>
-        </p:spPr>
-        <p:txBody>
-          <a:bodyPr wrap="none">
-            <a:spAutoFit/>
-          </a:bodyPr>
-          <a:lstStyle/>
-          <a:p>
-            <a:r>
-              <a:rPr lang="en-US" sz="2000" b="1" dirty="0" smtClean="0">
+      <p:sp>
+        <p:nvSpPr>
+          <p:cNvPr id="3" name="Content Placeholder 2"/>
+          <p:cNvSpPr>
+            <a:spLocks noGrp="1"/>
+          </p:cNvSpPr>
+          <p:nvPr>
+            <p:ph idx="1"/>
+          </p:nvPr>
+        </p:nvSpPr>
+        <p:spPr/>
+        <p:txBody>
+          <a:bodyPr/>
+          <a:lstStyle/>
+          <a:p>
+            <a:pPr marL="0" indent="0">
+              <a:buNone/>
+            </a:pPr>
+            <a:r>
+              <a:rPr lang="en-US" dirty="0">
                 <a:latin typeface="Consolas" panose="020B0609020204030204" pitchFamily="49" charset="0"/>
-                <a:cs typeface="Consolas" panose="020B0609020204030204" pitchFamily="49" charset="0"/>
-              </a:rPr>
-              <a:t>(old) script.js</a:t>
+              </a:rPr>
+              <a:t>$(document).ready(function())</a:t>
             </a:r>
           </a:p>
         </p:txBody>
@@ -4671,103 +4535,24 @@
           <p:nvPr/>
         </p:nvPicPr>
         <p:blipFill>
-          <a:blip r:embed="rId3"/>
+          <a:blip r:embed="rId2"/>
           <a:stretch>
             <a:fillRect/>
           </a:stretch>
         </p:blipFill>
         <p:spPr>
           <a:xfrm>
-            <a:off x="235148" y="1416833"/>
-            <a:ext cx="5772150" cy="2971800"/>
+            <a:off x="0" y="2491628"/>
+            <a:ext cx="12039600" cy="3219450"/>
           </a:xfrm>
           <a:prstGeom prst="rect">
             <a:avLst/>
           </a:prstGeom>
         </p:spPr>
       </p:pic>
-      <p:pic>
-        <p:nvPicPr>
-          <p:cNvPr id="6" name="Picture 5"/>
-          <p:cNvPicPr>
-            <a:picLocks noChangeAspect="1"/>
-          </p:cNvPicPr>
-          <p:nvPr/>
-        </p:nvPicPr>
-        <p:blipFill>
-          <a:blip r:embed="rId4"/>
-          <a:stretch>
-            <a:fillRect/>
-          </a:stretch>
-        </p:blipFill>
-        <p:spPr>
-          <a:xfrm>
-            <a:off x="6441479" y="4851260"/>
-            <a:ext cx="5644402" cy="1646781"/>
-          </a:xfrm>
-          <a:prstGeom prst="rect">
-            <a:avLst/>
-          </a:prstGeom>
-        </p:spPr>
-      </p:pic>
-      <p:sp>
-        <p:nvSpPr>
-          <p:cNvPr id="13" name="Rectangle 12"/>
-          <p:cNvSpPr/>
-          <p:nvPr/>
-        </p:nvSpPr>
-        <p:spPr>
-          <a:xfrm>
-            <a:off x="7313342" y="4418254"/>
-            <a:ext cx="3429144" cy="400110"/>
-          </a:xfrm>
-          <a:prstGeom prst="rect">
-            <a:avLst/>
-          </a:prstGeom>
-        </p:spPr>
-        <p:txBody>
-          <a:bodyPr wrap="none">
-            <a:spAutoFit/>
-          </a:bodyPr>
-          <a:lstStyle/>
-          <a:p>
-            <a:r>
-              <a:rPr lang="en-US" sz="2000" b="1" dirty="0" smtClean="0">
-                <a:latin typeface="Consolas" panose="020B0609020204030204" pitchFamily="49" charset="0"/>
-                <a:cs typeface="Consolas" panose="020B0609020204030204" pitchFamily="49" charset="0"/>
-              </a:rPr>
-              <a:t>(with jQuery) script.js</a:t>
-            </a:r>
-          </a:p>
-        </p:txBody>
-      </p:sp>
-      <p:pic>
-        <p:nvPicPr>
-          <p:cNvPr id="14" name="Picture 13"/>
-          <p:cNvPicPr>
-            <a:picLocks noChangeAspect="1"/>
-          </p:cNvPicPr>
-          <p:nvPr/>
-        </p:nvPicPr>
-        <p:blipFill>
-          <a:blip r:embed="rId5"/>
-          <a:stretch>
-            <a:fillRect/>
-          </a:stretch>
-        </p:blipFill>
-        <p:spPr>
-          <a:xfrm>
-            <a:off x="6098977" y="1550183"/>
-            <a:ext cx="5857875" cy="2705100"/>
-          </a:xfrm>
-          <a:prstGeom prst="rect">
-            <a:avLst/>
-          </a:prstGeom>
-        </p:spPr>
-      </p:pic>
-      <p:sp>
-        <p:nvSpPr>
-          <p:cNvPr id="3" name="Slide Number Placeholder 2"/>
+      <p:sp>
+        <p:nvSpPr>
+          <p:cNvPr id="5" name="Slide Number Placeholder 4"/>
           <p:cNvSpPr>
             <a:spLocks noGrp="1"/>
           </p:cNvSpPr>
@@ -4791,7 +4576,7 @@
     </p:spTree>
     <p:extLst>
       <p:ext uri="{BB962C8B-B14F-4D97-AF65-F5344CB8AC3E}">
-        <p14:creationId xmlns:p14="http://schemas.microsoft.com/office/powerpoint/2010/main" val="1602397314"/>
+        <p14:creationId xmlns:p14="http://schemas.microsoft.com/office/powerpoint/2010/main" val="2453122173"/>
       </p:ext>
     </p:extLst>
   </p:cSld>
@@ -4844,15 +4629,139 @@
           <a:p>
             <a:r>
               <a:rPr lang="en-US" sz="5400" dirty="0" smtClean="0"/>
-              <a:t>Event Handling</a:t>
+              <a:t>Hello World (with Event Handling)</a:t>
             </a:r>
             <a:endParaRPr lang="en-US" sz="5400" dirty="0"/>
+          </a:p>
+        </p:txBody>
+      </p:sp>
+      <p:sp>
+        <p:nvSpPr>
+          <p:cNvPr id="3" name="Content Placeholder 2"/>
+          <p:cNvSpPr>
+            <a:spLocks noGrp="1"/>
+          </p:cNvSpPr>
+          <p:nvPr>
+            <p:ph idx="1"/>
+          </p:nvPr>
+        </p:nvSpPr>
+        <p:spPr/>
+        <p:txBody>
+          <a:bodyPr/>
+          <a:lstStyle/>
+          <a:p>
+            <a:pPr marL="0" indent="0">
+              <a:buNone/>
+            </a:pPr>
+            <a:r>
+              <a:rPr lang="en-US" dirty="0" smtClean="0"/>
+              <a:t>How can we use the </a:t>
+            </a:r>
+            <a:r>
+              <a:rPr lang="en-US" dirty="0" smtClean="0">
+                <a:latin typeface="Consolas" panose="020B0609020204030204" pitchFamily="49" charset="0"/>
+              </a:rPr>
+              <a:t>$(</a:t>
+            </a:r>
+            <a:r>
+              <a:rPr lang="en-US" dirty="0">
+                <a:latin typeface="Consolas" panose="020B0609020204030204" pitchFamily="49" charset="0"/>
+              </a:rPr>
+              <a:t>document).ready(function</a:t>
+            </a:r>
+            <a:r>
+              <a:rPr lang="en-US" dirty="0" smtClean="0">
+                <a:latin typeface="Consolas" panose="020B0609020204030204" pitchFamily="49" charset="0"/>
+              </a:rPr>
+              <a:t>())</a:t>
+            </a:r>
+            <a:r>
+              <a:rPr lang="en-US" dirty="0" smtClean="0"/>
+              <a:t>?</a:t>
+            </a:r>
+            <a:endParaRPr lang="en-US" dirty="0"/>
+          </a:p>
+        </p:txBody>
+      </p:sp>
+      <p:sp>
+        <p:nvSpPr>
+          <p:cNvPr id="6" name="Rectangle 5"/>
+          <p:cNvSpPr/>
+          <p:nvPr/>
+        </p:nvSpPr>
+        <p:spPr>
+          <a:xfrm>
+            <a:off x="1089211" y="2249391"/>
+            <a:ext cx="1595309" cy="400110"/>
+          </a:xfrm>
+          <a:prstGeom prst="rect">
+            <a:avLst/>
+          </a:prstGeom>
+        </p:spPr>
+        <p:txBody>
+          <a:bodyPr wrap="none">
+            <a:spAutoFit/>
+          </a:bodyPr>
+          <a:lstStyle/>
+          <a:p>
+            <a:r>
+              <a:rPr lang="en-US" sz="2000" b="1" dirty="0">
+                <a:latin typeface="Consolas" panose="020B0609020204030204" pitchFamily="49" charset="0"/>
+                <a:cs typeface="Consolas" panose="020B0609020204030204" pitchFamily="49" charset="0"/>
+              </a:rPr>
+              <a:t>i</a:t>
+            </a:r>
+            <a:r>
+              <a:rPr lang="en-US" sz="2000" b="1" dirty="0" smtClean="0">
+                <a:latin typeface="Consolas" panose="020B0609020204030204" pitchFamily="49" charset="0"/>
+                <a:cs typeface="Consolas" panose="020B0609020204030204" pitchFamily="49" charset="0"/>
+              </a:rPr>
+              <a:t>ndex.html</a:t>
+            </a:r>
+          </a:p>
+        </p:txBody>
+      </p:sp>
+      <p:sp>
+        <p:nvSpPr>
+          <p:cNvPr id="8" name="Rectangle 7"/>
+          <p:cNvSpPr/>
+          <p:nvPr/>
+        </p:nvSpPr>
+        <p:spPr>
+          <a:xfrm>
+            <a:off x="5153725" y="4947565"/>
+            <a:ext cx="1454244" cy="400110"/>
+          </a:xfrm>
+          <a:prstGeom prst="rect">
+            <a:avLst/>
+          </a:prstGeom>
+        </p:spPr>
+        <p:txBody>
+          <a:bodyPr wrap="none">
+            <a:spAutoFit/>
+          </a:bodyPr>
+          <a:lstStyle/>
+          <a:p>
+            <a:r>
+              <a:rPr lang="en-US" sz="2000" b="1" dirty="0">
+                <a:latin typeface="Consolas" panose="020B0609020204030204" pitchFamily="49" charset="0"/>
+                <a:cs typeface="Consolas" panose="020B0609020204030204" pitchFamily="49" charset="0"/>
+              </a:rPr>
+              <a:t>s</a:t>
+            </a:r>
+            <a:r>
+              <a:rPr lang="en-US" sz="2000" b="1" dirty="0" smtClean="0">
+                <a:latin typeface="Consolas" panose="020B0609020204030204" pitchFamily="49" charset="0"/>
+                <a:cs typeface="Consolas" panose="020B0609020204030204" pitchFamily="49" charset="0"/>
+              </a:rPr>
+              <a:t>cript.js</a:t>
+            </a:r>
           </a:p>
         </p:txBody>
       </p:sp>
       <p:pic>
         <p:nvPicPr>
-          <p:cNvPr id="4" name="Picture 3"/>
+          <p:cNvPr id="10" name="Picture 9"/>
           <p:cNvPicPr>
             <a:picLocks noChangeAspect="1"/>
           </p:cNvPicPr>
@@ -4866,17 +4775,41 @@
         </p:blipFill>
         <p:spPr>
           <a:xfrm>
-            <a:off x="2491528" y="1843087"/>
-            <a:ext cx="7943038" cy="3957077"/>
+            <a:off x="950259" y="2590009"/>
+            <a:ext cx="7793344" cy="2275195"/>
           </a:xfrm>
           <a:prstGeom prst="rect">
             <a:avLst/>
           </a:prstGeom>
         </p:spPr>
       </p:pic>
-      <p:sp>
-        <p:nvSpPr>
-          <p:cNvPr id="3" name="Slide Number Placeholder 2"/>
+      <p:pic>
+        <p:nvPicPr>
+          <p:cNvPr id="11" name="Picture 10"/>
+          <p:cNvPicPr>
+            <a:picLocks noChangeAspect="1"/>
+          </p:cNvPicPr>
+          <p:nvPr/>
+        </p:nvPicPr>
+        <p:blipFill>
+          <a:blip r:embed="rId3"/>
+          <a:stretch>
+            <a:fillRect/>
+          </a:stretch>
+        </p:blipFill>
+        <p:spPr>
+          <a:xfrm>
+            <a:off x="2684520" y="5347675"/>
+            <a:ext cx="6981825" cy="1343025"/>
+          </a:xfrm>
+          <a:prstGeom prst="rect">
+            <a:avLst/>
+          </a:prstGeom>
+        </p:spPr>
+      </p:pic>
+      <p:sp>
+        <p:nvSpPr>
+          <p:cNvPr id="4" name="Slide Number Placeholder 3"/>
           <p:cNvSpPr>
             <a:spLocks noGrp="1"/>
           </p:cNvSpPr>
@@ -4900,7 +4833,7 @@
     </p:spTree>
     <p:extLst>
       <p:ext uri="{BB962C8B-B14F-4D97-AF65-F5344CB8AC3E}">
-        <p14:creationId xmlns:p14="http://schemas.microsoft.com/office/powerpoint/2010/main" val="1330372346"/>
+        <p14:creationId xmlns:p14="http://schemas.microsoft.com/office/powerpoint/2010/main" val="1988663288"/>
       </p:ext>
     </p:extLst>
   </p:cSld>
@@ -4953,7 +4886,7 @@
           <a:p>
             <a:r>
               <a:rPr lang="en-US" sz="5400" dirty="0" smtClean="0"/>
-              <a:t>Event Handling</a:t>
+              <a:t>AJAX</a:t>
             </a:r>
             <a:endParaRPr lang="en-US" sz="5400" dirty="0"/>
           </a:p>
@@ -4971,18 +4904,80 @@
         </p:nvSpPr>
         <p:spPr/>
         <p:txBody>
-          <a:bodyPr/>
+          <a:bodyPr>
+            <a:normAutofit/>
+          </a:bodyPr>
           <a:lstStyle/>
           <a:p>
             <a:pPr marL="0" indent="0">
               <a:buNone/>
             </a:pPr>
             <a:r>
-              <a:rPr lang="en-US" dirty="0">
-                <a:latin typeface="Consolas" panose="020B0609020204030204" pitchFamily="49" charset="0"/>
-              </a:rPr>
-              <a:t>$(document).ready(function())</a:t>
-            </a:r>
+              <a:rPr lang="en-US" sz="3600" b="1" u="sng" dirty="0" smtClean="0"/>
+              <a:t>A</a:t>
+            </a:r>
+            <a:r>
+              <a:rPr lang="en-US" sz="3600" dirty="0" smtClean="0"/>
+              <a:t>synchronous </a:t>
+            </a:r>
+            <a:r>
+              <a:rPr lang="en-US" sz="3600" b="1" u="sng" dirty="0" smtClean="0"/>
+              <a:t>J</a:t>
+            </a:r>
+            <a:r>
+              <a:rPr lang="en-US" sz="3600" dirty="0" smtClean="0"/>
+              <a:t>avaScript </a:t>
+            </a:r>
+            <a:r>
+              <a:rPr lang="en-US" sz="3600" b="1" u="sng" dirty="0" smtClean="0"/>
+              <a:t>a</a:t>
+            </a:r>
+            <a:r>
+              <a:rPr lang="en-US" sz="3600" dirty="0" smtClean="0"/>
+              <a:t>nd </a:t>
+            </a:r>
+            <a:r>
+              <a:rPr lang="en-US" sz="3600" b="1" u="sng" dirty="0" smtClean="0"/>
+              <a:t>X</a:t>
+            </a:r>
+            <a:r>
+              <a:rPr lang="en-US" sz="3600" dirty="0" smtClean="0"/>
+              <a:t>ML</a:t>
+            </a:r>
+          </a:p>
+          <a:p>
+            <a:pPr marL="0" indent="0">
+              <a:buNone/>
+            </a:pPr>
+            <a:endParaRPr lang="en-US" sz="2000" dirty="0" smtClean="0"/>
+          </a:p>
+          <a:p>
+            <a:pPr marL="0" indent="0">
+              <a:buNone/>
+            </a:pPr>
+            <a:r>
+              <a:rPr lang="en-US" sz="3600" dirty="0" smtClean="0"/>
+              <a:t>Two major features:</a:t>
+            </a:r>
+          </a:p>
+          <a:p>
+            <a:pPr marL="914400" lvl="1" indent="-457200">
+              <a:buAutoNum type="arabicPeriod"/>
+            </a:pPr>
+            <a:r>
+              <a:rPr lang="en-US" sz="3200" dirty="0" smtClean="0"/>
+              <a:t>Make requests to server without reloading the page</a:t>
+            </a:r>
+          </a:p>
+          <a:p>
+            <a:pPr marL="914400" lvl="1" indent="-457200">
+              <a:buAutoNum type="arabicPeriod"/>
+            </a:pPr>
+            <a:r>
+              <a:rPr lang="en-US" sz="3200" dirty="0" smtClean="0"/>
+              <a:t>Receive and work with data from the server</a:t>
+            </a:r>
+            <a:endParaRPr lang="en-US" sz="3200" dirty="0"/>
           </a:p>
         </p:txBody>
       </p:sp>
@@ -5002,8 +4997,8 @@
         </p:blipFill>
         <p:spPr>
           <a:xfrm>
-            <a:off x="0" y="2491628"/>
-            <a:ext cx="12039600" cy="3219450"/>
+            <a:off x="2588087" y="4539479"/>
+            <a:ext cx="7015826" cy="1878851"/>
           </a:xfrm>
           <a:prstGeom prst="rect">
             <a:avLst/>
@@ -5036,7 +5031,7 @@
     </p:spTree>
     <p:extLst>
       <p:ext uri="{BB962C8B-B14F-4D97-AF65-F5344CB8AC3E}">
-        <p14:creationId xmlns:p14="http://schemas.microsoft.com/office/powerpoint/2010/main" val="2453122173"/>
+        <p14:creationId xmlns:p14="http://schemas.microsoft.com/office/powerpoint/2010/main" val="2932140417"/>
       </p:ext>
     </p:extLst>
   </p:cSld>
@@ -5089,7 +5084,7 @@
           <a:p>
             <a:r>
               <a:rPr lang="en-US" sz="5400" dirty="0" smtClean="0"/>
-              <a:t>Hello World (with Event Handling)</a:t>
+              <a:t>Objects</a:t>
             </a:r>
             <a:endParaRPr lang="en-US" sz="5400" dirty="0"/>
           </a:p>
@@ -5105,41 +5100,245 @@
             <p:ph idx="1"/>
           </p:nvPr>
         </p:nvSpPr>
-        <p:spPr/>
-        <p:txBody>
-          <a:bodyPr/>
+        <p:spPr>
+          <a:xfrm>
+            <a:off x="838200" y="1825625"/>
+            <a:ext cx="4468906" cy="2862122"/>
+          </a:xfrm>
+        </p:spPr>
+        <p:txBody>
+          <a:bodyPr>
+            <a:noAutofit/>
+          </a:bodyPr>
           <a:lstStyle/>
           <a:p>
             <a:pPr marL="0" indent="0">
               <a:buNone/>
             </a:pPr>
             <a:r>
-              <a:rPr lang="en-US" dirty="0" smtClean="0"/>
-              <a:t>How can we use the </a:t>
+              <a:rPr lang="en-US" dirty="0" err="1" smtClean="0">
+                <a:latin typeface="Consolas" panose="020B0609020204030204" pitchFamily="49" charset="0"/>
+                <a:cs typeface="Consolas" panose="020B0609020204030204" pitchFamily="49" charset="0"/>
+              </a:rPr>
+              <a:t>var</a:t>
             </a:r>
             <a:r>
               <a:rPr lang="en-US" dirty="0" smtClean="0">
                 <a:latin typeface="Consolas" panose="020B0609020204030204" pitchFamily="49" charset="0"/>
-              </a:rPr>
-              <a:t>$(</a:t>
-            </a:r>
-            <a:r>
-              <a:rPr lang="en-US" dirty="0">
-                <a:latin typeface="Consolas" panose="020B0609020204030204" pitchFamily="49" charset="0"/>
-              </a:rPr>
-              <a:t>document).ready(function</a:t>
-            </a:r>
+                <a:cs typeface="Consolas" panose="020B0609020204030204" pitchFamily="49" charset="0"/>
+              </a:rPr>
+              <a:t> person = {</a:t>
+            </a:r>
+          </a:p>
+          <a:p>
+            <a:pPr marL="0" indent="0">
+              <a:buNone/>
+            </a:pPr>
             <a:r>
               <a:rPr lang="en-US" dirty="0" smtClean="0">
                 <a:latin typeface="Consolas" panose="020B0609020204030204" pitchFamily="49" charset="0"/>
-              </a:rPr>
-              <a:t>())</a:t>
-            </a:r>
-            <a:r>
-              <a:rPr lang="en-US" dirty="0" smtClean="0"/>
-              <a:t>?</a:t>
-            </a:r>
-            <a:endParaRPr lang="en-US" dirty="0"/>
+                <a:cs typeface="Consolas" panose="020B0609020204030204" pitchFamily="49" charset="0"/>
+              </a:rPr>
+              <a:t>    </a:t>
+            </a:r>
+            <a:r>
+              <a:rPr lang="en-US" dirty="0" err="1" smtClean="0">
+                <a:latin typeface="Consolas" panose="020B0609020204030204" pitchFamily="49" charset="0"/>
+                <a:cs typeface="Consolas" panose="020B0609020204030204" pitchFamily="49" charset="0"/>
+              </a:rPr>
+              <a:t>firstName</a:t>
+            </a:r>
+            <a:r>
+              <a:rPr lang="en-US" dirty="0" smtClean="0">
+                <a:latin typeface="Consolas" panose="020B0609020204030204" pitchFamily="49" charset="0"/>
+                <a:cs typeface="Consolas" panose="020B0609020204030204" pitchFamily="49" charset="0"/>
+              </a:rPr>
+              <a:t>:"John",</a:t>
+            </a:r>
+          </a:p>
+          <a:p>
+            <a:pPr marL="0" indent="0">
+              <a:buNone/>
+            </a:pPr>
+            <a:r>
+              <a:rPr lang="en-US" dirty="0" smtClean="0">
+                <a:latin typeface="Consolas" panose="020B0609020204030204" pitchFamily="49" charset="0"/>
+                <a:cs typeface="Consolas" panose="020B0609020204030204" pitchFamily="49" charset="0"/>
+              </a:rPr>
+              <a:t>    </a:t>
+            </a:r>
+            <a:r>
+              <a:rPr lang="en-US" dirty="0" err="1" smtClean="0">
+                <a:latin typeface="Consolas" panose="020B0609020204030204" pitchFamily="49" charset="0"/>
+                <a:cs typeface="Consolas" panose="020B0609020204030204" pitchFamily="49" charset="0"/>
+              </a:rPr>
+              <a:t>lastName</a:t>
+            </a:r>
+            <a:r>
+              <a:rPr lang="en-US" dirty="0" smtClean="0">
+                <a:latin typeface="Consolas" panose="020B0609020204030204" pitchFamily="49" charset="0"/>
+                <a:cs typeface="Consolas" panose="020B0609020204030204" pitchFamily="49" charset="0"/>
+              </a:rPr>
+              <a:t>:"Doe",</a:t>
+            </a:r>
+          </a:p>
+          <a:p>
+            <a:pPr marL="0" indent="0">
+              <a:buNone/>
+            </a:pPr>
+            <a:r>
+              <a:rPr lang="en-US" dirty="0" smtClean="0">
+                <a:latin typeface="Consolas" panose="020B0609020204030204" pitchFamily="49" charset="0"/>
+                <a:cs typeface="Consolas" panose="020B0609020204030204" pitchFamily="49" charset="0"/>
+              </a:rPr>
+              <a:t>    age:20,</a:t>
+            </a:r>
+          </a:p>
+          <a:p>
+            <a:pPr marL="0" indent="0">
+              <a:buNone/>
+            </a:pPr>
+            <a:r>
+              <a:rPr lang="en-US" dirty="0" smtClean="0">
+                <a:latin typeface="Consolas" panose="020B0609020204030204" pitchFamily="49" charset="0"/>
+                <a:cs typeface="Consolas" panose="020B0609020204030204" pitchFamily="49" charset="0"/>
+              </a:rPr>
+              <a:t>    </a:t>
+            </a:r>
+            <a:r>
+              <a:rPr lang="en-US" dirty="0" err="1" smtClean="0">
+                <a:latin typeface="Consolas" panose="020B0609020204030204" pitchFamily="49" charset="0"/>
+                <a:cs typeface="Consolas" panose="020B0609020204030204" pitchFamily="49" charset="0"/>
+              </a:rPr>
+              <a:t>eyeColor</a:t>
+            </a:r>
+            <a:r>
+              <a:rPr lang="en-US" dirty="0" smtClean="0">
+                <a:latin typeface="Consolas" panose="020B0609020204030204" pitchFamily="49" charset="0"/>
+                <a:cs typeface="Consolas" panose="020B0609020204030204" pitchFamily="49" charset="0"/>
+              </a:rPr>
+              <a:t>:"brown"</a:t>
+            </a:r>
+          </a:p>
+          <a:p>
+            <a:pPr marL="0" indent="0">
+              <a:buNone/>
+            </a:pPr>
+            <a:r>
+              <a:rPr lang="en-US" dirty="0" smtClean="0">
+                <a:latin typeface="Consolas" panose="020B0609020204030204" pitchFamily="49" charset="0"/>
+                <a:cs typeface="Consolas" panose="020B0609020204030204" pitchFamily="49" charset="0"/>
+              </a:rPr>
+              <a:t>};</a:t>
+            </a:r>
+            <a:endParaRPr lang="en-US" dirty="0">
+              <a:latin typeface="Consolas" panose="020B0609020204030204" pitchFamily="49" charset="0"/>
+              <a:cs typeface="Consolas" panose="020B0609020204030204" pitchFamily="49" charset="0"/>
+            </a:endParaRPr>
+          </a:p>
+        </p:txBody>
+      </p:sp>
+      <p:sp>
+        <p:nvSpPr>
+          <p:cNvPr id="5" name="Rectangle 4"/>
+          <p:cNvSpPr/>
+          <p:nvPr/>
+        </p:nvSpPr>
+        <p:spPr>
+          <a:xfrm>
+            <a:off x="6096000" y="2208546"/>
+            <a:ext cx="3531502" cy="1938992"/>
+          </a:xfrm>
+          <a:prstGeom prst="rect">
+            <a:avLst/>
+          </a:prstGeom>
+        </p:spPr>
+        <p:txBody>
+          <a:bodyPr wrap="square">
+            <a:spAutoFit/>
+          </a:bodyPr>
+          <a:lstStyle/>
+          <a:p>
+            <a:r>
+              <a:rPr lang="en-US" sz="2400" dirty="0" smtClean="0">
+                <a:latin typeface="Consolas" panose="020B0609020204030204" pitchFamily="49" charset="0"/>
+                <a:cs typeface="Consolas" panose="020B0609020204030204" pitchFamily="49" charset="0"/>
+              </a:rPr>
+              <a:t>&gt;&gt; </a:t>
+            </a:r>
+            <a:r>
+              <a:rPr lang="en-US" sz="2400" dirty="0" err="1" smtClean="0">
+                <a:latin typeface="Consolas" panose="020B0609020204030204" pitchFamily="49" charset="0"/>
+                <a:cs typeface="Consolas" panose="020B0609020204030204" pitchFamily="49" charset="0"/>
+              </a:rPr>
+              <a:t>person.firstName</a:t>
+            </a:r>
+            <a:endParaRPr lang="en-US" sz="2400" dirty="0" smtClean="0">
+              <a:latin typeface="Consolas" panose="020B0609020204030204" pitchFamily="49" charset="0"/>
+              <a:cs typeface="Consolas" panose="020B0609020204030204" pitchFamily="49" charset="0"/>
+            </a:endParaRPr>
+          </a:p>
+          <a:p>
+            <a:endParaRPr lang="en-US" sz="2400" dirty="0">
+              <a:latin typeface="Consolas" panose="020B0609020204030204" pitchFamily="49" charset="0"/>
+              <a:cs typeface="Consolas" panose="020B0609020204030204" pitchFamily="49" charset="0"/>
+            </a:endParaRPr>
+          </a:p>
+          <a:p>
+            <a:r>
+              <a:rPr lang="en-US" sz="2400" dirty="0" smtClean="0">
+                <a:latin typeface="Consolas" panose="020B0609020204030204" pitchFamily="49" charset="0"/>
+                <a:cs typeface="Consolas" panose="020B0609020204030204" pitchFamily="49" charset="0"/>
+              </a:rPr>
+              <a:t>&gt;&gt; </a:t>
+            </a:r>
+            <a:r>
+              <a:rPr lang="en-US" sz="2400" dirty="0" err="1" smtClean="0">
+                <a:latin typeface="Consolas" panose="020B0609020204030204" pitchFamily="49" charset="0"/>
+                <a:cs typeface="Consolas" panose="020B0609020204030204" pitchFamily="49" charset="0"/>
+              </a:rPr>
+              <a:t>person.lastName</a:t>
+            </a:r>
+            <a:endParaRPr lang="en-US" sz="2400" dirty="0" smtClean="0">
+              <a:latin typeface="Consolas" panose="020B0609020204030204" pitchFamily="49" charset="0"/>
+              <a:cs typeface="Consolas" panose="020B0609020204030204" pitchFamily="49" charset="0"/>
+            </a:endParaRPr>
+          </a:p>
+          <a:p>
+            <a:endParaRPr lang="en-US" sz="2400" dirty="0">
+              <a:latin typeface="Consolas" panose="020B0609020204030204" pitchFamily="49" charset="0"/>
+              <a:cs typeface="Consolas" panose="020B0609020204030204" pitchFamily="49" charset="0"/>
+            </a:endParaRPr>
+          </a:p>
+          <a:p>
+            <a:r>
+              <a:rPr lang="en-US" sz="2400" dirty="0" smtClean="0">
+                <a:latin typeface="Consolas" panose="020B0609020204030204" pitchFamily="49" charset="0"/>
+                <a:cs typeface="Consolas" panose="020B0609020204030204" pitchFamily="49" charset="0"/>
+              </a:rPr>
+              <a:t>&gt;&gt; </a:t>
+            </a:r>
+            <a:r>
+              <a:rPr lang="en-US" sz="2400" dirty="0">
+                <a:latin typeface="Consolas" panose="020B0609020204030204" pitchFamily="49" charset="0"/>
+                <a:cs typeface="Consolas" panose="020B0609020204030204" pitchFamily="49" charset="0"/>
+              </a:rPr>
+              <a:t>person["</a:t>
+            </a:r>
+            <a:r>
+              <a:rPr lang="en-US" sz="2400" dirty="0" smtClean="0">
+                <a:latin typeface="Consolas" panose="020B0609020204030204" pitchFamily="49" charset="0"/>
+                <a:cs typeface="Consolas" panose="020B0609020204030204" pitchFamily="49" charset="0"/>
+              </a:rPr>
+              <a:t>age</a:t>
+            </a:r>
+            <a:r>
+              <a:rPr lang="en-US" sz="2400" dirty="0">
+                <a:latin typeface="Consolas" panose="020B0609020204030204" pitchFamily="49" charset="0"/>
+                <a:cs typeface="Consolas" panose="020B0609020204030204" pitchFamily="49" charset="0"/>
+              </a:rPr>
+              <a:t>"]</a:t>
+            </a:r>
           </a:p>
         </p:txBody>
       </p:sp>
@@ -5151,125 +5350,143 @@
         </p:nvSpPr>
         <p:spPr>
           <a:xfrm>
-            <a:off x="1089211" y="2249391"/>
-            <a:ext cx="1595309" cy="400110"/>
+            <a:off x="5082988" y="1627672"/>
+            <a:ext cx="6696636" cy="523220"/>
           </a:xfrm>
           <a:prstGeom prst="rect">
             <a:avLst/>
           </a:prstGeom>
         </p:spPr>
         <p:txBody>
-          <a:bodyPr wrap="none">
+          <a:bodyPr wrap="square">
             <a:spAutoFit/>
           </a:bodyPr>
           <a:lstStyle/>
           <a:p>
-            <a:r>
-              <a:rPr lang="en-US" sz="2000" b="1" dirty="0">
-                <a:latin typeface="Consolas" panose="020B0609020204030204" pitchFamily="49" charset="0"/>
+            <a:pPr marL="342900" indent="-342900">
+              <a:buFont typeface="Arial" panose="020B0604020202020204" pitchFamily="34" charset="0"/>
+              <a:buChar char="•"/>
+            </a:pPr>
+            <a:r>
+              <a:rPr lang="en-US" sz="2800" dirty="0" smtClean="0">
                 <a:cs typeface="Consolas" panose="020B0609020204030204" pitchFamily="49" charset="0"/>
               </a:rPr>
-              <a:t>i</a:t>
-            </a:r>
-            <a:r>
-              <a:rPr lang="en-US" sz="2000" b="1" dirty="0" smtClean="0">
-                <a:latin typeface="Consolas" panose="020B0609020204030204" pitchFamily="49" charset="0"/>
-                <a:cs typeface="Consolas" panose="020B0609020204030204" pitchFamily="49" charset="0"/>
-              </a:rPr>
-              <a:t>ndex.html</a:t>
-            </a:r>
-          </a:p>
-        </p:txBody>
-      </p:sp>
-      <p:sp>
-        <p:nvSpPr>
-          <p:cNvPr id="8" name="Rectangle 7"/>
+              <a:t>What’s the output of the following lines?</a:t>
+            </a:r>
+            <a:endParaRPr lang="en-US" sz="2800" dirty="0">
+              <a:cs typeface="Consolas" panose="020B0609020204030204" pitchFamily="49" charset="0"/>
+            </a:endParaRPr>
+          </a:p>
+        </p:txBody>
+      </p:sp>
+      <p:sp>
+        <p:nvSpPr>
+          <p:cNvPr id="7" name="Rectangle 6"/>
           <p:cNvSpPr/>
           <p:nvPr/>
         </p:nvSpPr>
         <p:spPr>
           <a:xfrm>
-            <a:off x="5153725" y="4947565"/>
-            <a:ext cx="1454244" cy="400110"/>
+            <a:off x="996328" y="5345025"/>
+            <a:ext cx="9339977" cy="523220"/>
           </a:xfrm>
           <a:prstGeom prst="rect">
             <a:avLst/>
           </a:prstGeom>
         </p:spPr>
         <p:txBody>
-          <a:bodyPr wrap="none">
+          <a:bodyPr wrap="square">
             <a:spAutoFit/>
           </a:bodyPr>
           <a:lstStyle/>
           <a:p>
-            <a:r>
-              <a:rPr lang="en-US" sz="2000" b="1" dirty="0">
+            <a:pPr marL="342900" indent="-342900">
+              <a:buFont typeface="Arial" panose="020B0604020202020204" pitchFamily="34" charset="0"/>
+              <a:buChar char="•"/>
+            </a:pPr>
+            <a:r>
+              <a:rPr lang="en-US" sz="2800" dirty="0" smtClean="0">
+                <a:cs typeface="Consolas" panose="020B0609020204030204" pitchFamily="49" charset="0"/>
+              </a:rPr>
+              <a:t>How would we change the person’s </a:t>
+            </a:r>
+            <a:r>
+              <a:rPr lang="en-US" sz="2800" dirty="0" err="1" smtClean="0">
+                <a:cs typeface="Consolas" panose="020B0609020204030204" pitchFamily="49" charset="0"/>
+              </a:rPr>
+              <a:t>eyeColor</a:t>
+            </a:r>
+            <a:r>
+              <a:rPr lang="en-US" sz="2800" dirty="0" smtClean="0">
+                <a:cs typeface="Consolas" panose="020B0609020204030204" pitchFamily="49" charset="0"/>
+              </a:rPr>
+              <a:t> to </a:t>
+            </a:r>
+            <a:r>
+              <a:rPr lang="en-US" sz="2800" dirty="0">
                 <a:latin typeface="Consolas" panose="020B0609020204030204" pitchFamily="49" charset="0"/>
                 <a:cs typeface="Consolas" panose="020B0609020204030204" pitchFamily="49" charset="0"/>
               </a:rPr>
-              <a:t>s</a:t>
-            </a:r>
-            <a:r>
-              <a:rPr lang="en-US" sz="2000" b="1" dirty="0" smtClean="0">
+              <a:t>"</a:t>
+            </a:r>
+            <a:r>
+              <a:rPr lang="en-US" sz="2800" dirty="0" smtClean="0">
+                <a:cs typeface="Consolas" panose="020B0609020204030204" pitchFamily="49" charset="0"/>
+              </a:rPr>
+              <a:t>blue</a:t>
+            </a:r>
+            <a:r>
+              <a:rPr lang="en-US" sz="2800" dirty="0">
                 <a:latin typeface="Consolas" panose="020B0609020204030204" pitchFamily="49" charset="0"/>
                 <a:cs typeface="Consolas" panose="020B0609020204030204" pitchFamily="49" charset="0"/>
               </a:rPr>
-              <a:t>cript.js</a:t>
-            </a:r>
-          </a:p>
-        </p:txBody>
-      </p:sp>
-      <p:pic>
-        <p:nvPicPr>
-          <p:cNvPr id="10" name="Picture 9"/>
-          <p:cNvPicPr>
-            <a:picLocks noChangeAspect="1"/>
-          </p:cNvPicPr>
+              <a:t>"</a:t>
+            </a:r>
+            <a:r>
+              <a:rPr lang="en-US" sz="2800" dirty="0" smtClean="0">
+                <a:cs typeface="Consolas" panose="020B0609020204030204" pitchFamily="49" charset="0"/>
+              </a:rPr>
+              <a:t>?</a:t>
+            </a:r>
+            <a:endParaRPr lang="en-US" sz="2800" dirty="0">
+              <a:cs typeface="Consolas" panose="020B0609020204030204" pitchFamily="49" charset="0"/>
+            </a:endParaRPr>
+          </a:p>
+        </p:txBody>
+      </p:sp>
+      <p:sp>
+        <p:nvSpPr>
+          <p:cNvPr id="4" name="Rectangle 3"/>
+          <p:cNvSpPr/>
           <p:nvPr/>
-        </p:nvPicPr>
-        <p:blipFill>
-          <a:blip r:embed="rId2"/>
-          <a:stretch>
-            <a:fillRect/>
-          </a:stretch>
-        </p:blipFill>
-        <p:spPr>
-          <a:xfrm>
-            <a:off x="950259" y="2590009"/>
-            <a:ext cx="7793344" cy="2275195"/>
+        </p:nvSpPr>
+        <p:spPr>
+          <a:xfrm>
+            <a:off x="2430682" y="4768056"/>
+            <a:ext cx="6096000" cy="584775"/>
           </a:xfrm>
           <a:prstGeom prst="rect">
             <a:avLst/>
           </a:prstGeom>
         </p:spPr>
-      </p:pic>
-      <p:pic>
-        <p:nvPicPr>
-          <p:cNvPr id="11" name="Picture 10"/>
-          <p:cNvPicPr>
-            <a:picLocks noChangeAspect="1"/>
-          </p:cNvPicPr>
-          <p:nvPr/>
-        </p:nvPicPr>
-        <p:blipFill>
-          <a:blip r:embed="rId3"/>
-          <a:stretch>
-            <a:fillRect/>
-          </a:stretch>
-        </p:blipFill>
-        <p:spPr>
-          <a:xfrm>
-            <a:off x="2684520" y="5347675"/>
-            <a:ext cx="6981825" cy="1343025"/>
-          </a:xfrm>
-          <a:prstGeom prst="rect">
-            <a:avLst/>
-          </a:prstGeom>
-        </p:spPr>
-      </p:pic>
-      <p:sp>
-        <p:nvSpPr>
-          <p:cNvPr id="4" name="Slide Number Placeholder 3"/>
+        <p:txBody>
+          <a:bodyPr>
+            <a:spAutoFit/>
+          </a:bodyPr>
+          <a:lstStyle/>
+          <a:p>
+            <a:pPr algn="ctr"/>
+            <a:r>
+              <a:rPr lang="en-US" sz="3200" i="1" dirty="0" smtClean="0"/>
+              <a:t>Objects are mutable</a:t>
+            </a:r>
+            <a:endParaRPr lang="en-US" sz="3200" i="1" dirty="0"/>
+          </a:p>
+        </p:txBody>
+      </p:sp>
+      <p:sp>
+        <p:nvSpPr>
+          <p:cNvPr id="8" name="Slide Number Placeholder 7"/>
           <p:cNvSpPr>
             <a:spLocks noGrp="1"/>
           </p:cNvSpPr>
@@ -5293,7 +5510,7 @@
     </p:spTree>
     <p:extLst>
       <p:ext uri="{BB962C8B-B14F-4D97-AF65-F5344CB8AC3E}">
-        <p14:creationId xmlns:p14="http://schemas.microsoft.com/office/powerpoint/2010/main" val="1988663288"/>
+        <p14:creationId xmlns:p14="http://schemas.microsoft.com/office/powerpoint/2010/main" val="1313947440"/>
       </p:ext>
     </p:extLst>
   </p:cSld>
@@ -5346,7 +5563,7 @@
           <a:p>
             <a:r>
               <a:rPr lang="en-US" sz="5400" dirty="0" smtClean="0"/>
-              <a:t>AJAX</a:t>
+              <a:t>Objects</a:t>
             </a:r>
             <a:endParaRPr lang="en-US" sz="5400" dirty="0"/>
           </a:p>
@@ -5362,10 +5579,15 @@
             <p:ph idx="1"/>
           </p:nvPr>
         </p:nvSpPr>
-        <p:spPr/>
+        <p:spPr>
+          <a:xfrm>
+            <a:off x="838200" y="1825625"/>
+            <a:ext cx="4468906" cy="2862122"/>
+          </a:xfrm>
+        </p:spPr>
         <p:txBody>
           <a:bodyPr>
-            <a:normAutofit/>
+            <a:noAutofit/>
           </a:bodyPr>
           <a:lstStyle/>
           <a:p>
@@ -5373,101 +5595,447 @@
               <a:buNone/>
             </a:pPr>
             <a:r>
-              <a:rPr lang="en-US" sz="3600" b="1" u="sng" dirty="0" smtClean="0"/>
-              <a:t>A</a:t>
-            </a:r>
-            <a:r>
-              <a:rPr lang="en-US" sz="3600" dirty="0" smtClean="0"/>
-              <a:t>synchronous </a:t>
-            </a:r>
-            <a:r>
-              <a:rPr lang="en-US" sz="3600" b="1" u="sng" dirty="0" smtClean="0"/>
-              <a:t>J</a:t>
-            </a:r>
-            <a:r>
-              <a:rPr lang="en-US" sz="3600" dirty="0" smtClean="0"/>
-              <a:t>avaScript </a:t>
-            </a:r>
-            <a:r>
-              <a:rPr lang="en-US" sz="3600" b="1" u="sng" dirty="0" smtClean="0"/>
-              <a:t>a</a:t>
-            </a:r>
-            <a:r>
-              <a:rPr lang="en-US" sz="3600" dirty="0" smtClean="0"/>
-              <a:t>nd </a:t>
-            </a:r>
-            <a:r>
-              <a:rPr lang="en-US" sz="3600" b="1" u="sng" dirty="0" smtClean="0"/>
-              <a:t>X</a:t>
-            </a:r>
-            <a:r>
-              <a:rPr lang="en-US" sz="3600" dirty="0" smtClean="0"/>
-              <a:t>ML</a:t>
+              <a:rPr lang="en-US" dirty="0" err="1" smtClean="0">
+                <a:latin typeface="Consolas" panose="020B0609020204030204" pitchFamily="49" charset="0"/>
+                <a:cs typeface="Consolas" panose="020B0609020204030204" pitchFamily="49" charset="0"/>
+              </a:rPr>
+              <a:t>var</a:t>
+            </a:r>
+            <a:r>
+              <a:rPr lang="en-US" dirty="0" smtClean="0">
+                <a:latin typeface="Consolas" panose="020B0609020204030204" pitchFamily="49" charset="0"/>
+                <a:cs typeface="Consolas" panose="020B0609020204030204" pitchFamily="49" charset="0"/>
+              </a:rPr>
+              <a:t> person = {</a:t>
             </a:r>
           </a:p>
           <a:p>
             <a:pPr marL="0" indent="0">
               <a:buNone/>
             </a:pPr>
-            <a:endParaRPr lang="en-US" sz="2000" dirty="0" smtClean="0"/>
+            <a:r>
+              <a:rPr lang="en-US" dirty="0" smtClean="0">
+                <a:latin typeface="Consolas" panose="020B0609020204030204" pitchFamily="49" charset="0"/>
+                <a:cs typeface="Consolas" panose="020B0609020204030204" pitchFamily="49" charset="0"/>
+              </a:rPr>
+              <a:t>    </a:t>
+            </a:r>
+            <a:r>
+              <a:rPr lang="en-US" dirty="0" err="1" smtClean="0">
+                <a:latin typeface="Consolas" panose="020B0609020204030204" pitchFamily="49" charset="0"/>
+                <a:cs typeface="Consolas" panose="020B0609020204030204" pitchFamily="49" charset="0"/>
+              </a:rPr>
+              <a:t>firstName</a:t>
+            </a:r>
+            <a:r>
+              <a:rPr lang="en-US" dirty="0" smtClean="0">
+                <a:latin typeface="Consolas" panose="020B0609020204030204" pitchFamily="49" charset="0"/>
+                <a:cs typeface="Consolas" panose="020B0609020204030204" pitchFamily="49" charset="0"/>
+              </a:rPr>
+              <a:t>:"John",</a:t>
+            </a:r>
           </a:p>
           <a:p>
             <a:pPr marL="0" indent="0">
               <a:buNone/>
             </a:pPr>
             <a:r>
-              <a:rPr lang="en-US" sz="3600" dirty="0" smtClean="0"/>
-              <a:t>Two major features:</a:t>
-            </a:r>
-          </a:p>
-          <a:p>
-            <a:pPr marL="914400" lvl="1" indent="-457200">
-              <a:buAutoNum type="arabicPeriod"/>
+              <a:rPr lang="en-US" dirty="0" smtClean="0">
+                <a:latin typeface="Consolas" panose="020B0609020204030204" pitchFamily="49" charset="0"/>
+                <a:cs typeface="Consolas" panose="020B0609020204030204" pitchFamily="49" charset="0"/>
+              </a:rPr>
+              <a:t>    </a:t>
+            </a:r>
+            <a:r>
+              <a:rPr lang="en-US" dirty="0" err="1" smtClean="0">
+                <a:latin typeface="Consolas" panose="020B0609020204030204" pitchFamily="49" charset="0"/>
+                <a:cs typeface="Consolas" panose="020B0609020204030204" pitchFamily="49" charset="0"/>
+              </a:rPr>
+              <a:t>lastName</a:t>
+            </a:r>
+            <a:r>
+              <a:rPr lang="en-US" dirty="0" smtClean="0">
+                <a:latin typeface="Consolas" panose="020B0609020204030204" pitchFamily="49" charset="0"/>
+                <a:cs typeface="Consolas" panose="020B0609020204030204" pitchFamily="49" charset="0"/>
+              </a:rPr>
+              <a:t>:"Doe",</a:t>
+            </a:r>
+          </a:p>
+          <a:p>
+            <a:pPr marL="0" indent="0">
+              <a:buNone/>
             </a:pPr>
             <a:r>
-              <a:rPr lang="en-US" sz="3200" dirty="0" smtClean="0"/>
-              <a:t>Make requests to server without reloading the page</a:t>
-            </a:r>
-          </a:p>
-          <a:p>
-            <a:pPr marL="914400" lvl="1" indent="-457200">
-              <a:buAutoNum type="arabicPeriod"/>
+              <a:rPr lang="en-US" dirty="0" smtClean="0">
+                <a:latin typeface="Consolas" panose="020B0609020204030204" pitchFamily="49" charset="0"/>
+                <a:cs typeface="Consolas" panose="020B0609020204030204" pitchFamily="49" charset="0"/>
+              </a:rPr>
+              <a:t>    age:20,</a:t>
+            </a:r>
+          </a:p>
+          <a:p>
+            <a:pPr marL="0" indent="0">
+              <a:buNone/>
             </a:pPr>
             <a:r>
-              <a:rPr lang="en-US" sz="3200" dirty="0" smtClean="0"/>
-              <a:t>Receive and work with data from the server</a:t>
-            </a:r>
-            <a:endParaRPr lang="en-US" sz="3200" dirty="0"/>
-          </a:p>
-        </p:txBody>
-      </p:sp>
-      <p:pic>
-        <p:nvPicPr>
-          <p:cNvPr id="4" name="Picture 3"/>
-          <p:cNvPicPr>
-            <a:picLocks noChangeAspect="1"/>
-          </p:cNvPicPr>
+              <a:rPr lang="en-US" dirty="0" smtClean="0">
+                <a:latin typeface="Consolas" panose="020B0609020204030204" pitchFamily="49" charset="0"/>
+                <a:cs typeface="Consolas" panose="020B0609020204030204" pitchFamily="49" charset="0"/>
+              </a:rPr>
+              <a:t>    </a:t>
+            </a:r>
+            <a:r>
+              <a:rPr lang="en-US" dirty="0" err="1" smtClean="0">
+                <a:latin typeface="Consolas" panose="020B0609020204030204" pitchFamily="49" charset="0"/>
+                <a:cs typeface="Consolas" panose="020B0609020204030204" pitchFamily="49" charset="0"/>
+              </a:rPr>
+              <a:t>eyeColor</a:t>
+            </a:r>
+            <a:r>
+              <a:rPr lang="en-US" dirty="0" smtClean="0">
+                <a:latin typeface="Consolas" panose="020B0609020204030204" pitchFamily="49" charset="0"/>
+                <a:cs typeface="Consolas" panose="020B0609020204030204" pitchFamily="49" charset="0"/>
+              </a:rPr>
+              <a:t>:"brown"</a:t>
+            </a:r>
+          </a:p>
+          <a:p>
+            <a:pPr marL="0" indent="0">
+              <a:buNone/>
+            </a:pPr>
+            <a:r>
+              <a:rPr lang="en-US" dirty="0" smtClean="0">
+                <a:latin typeface="Consolas" panose="020B0609020204030204" pitchFamily="49" charset="0"/>
+                <a:cs typeface="Consolas" panose="020B0609020204030204" pitchFamily="49" charset="0"/>
+              </a:rPr>
+              <a:t>};</a:t>
+            </a:r>
+            <a:endParaRPr lang="en-US" dirty="0">
+              <a:latin typeface="Consolas" panose="020B0609020204030204" pitchFamily="49" charset="0"/>
+              <a:cs typeface="Consolas" panose="020B0609020204030204" pitchFamily="49" charset="0"/>
+            </a:endParaRPr>
+          </a:p>
+        </p:txBody>
+      </p:sp>
+      <p:sp>
+        <p:nvSpPr>
+          <p:cNvPr id="5" name="Rectangle 4"/>
+          <p:cNvSpPr/>
           <p:nvPr/>
-        </p:nvPicPr>
-        <p:blipFill>
-          <a:blip r:embed="rId2"/>
-          <a:stretch>
-            <a:fillRect/>
-          </a:stretch>
-        </p:blipFill>
-        <p:spPr>
-          <a:xfrm>
-            <a:off x="2588087" y="4539479"/>
-            <a:ext cx="7015826" cy="1878851"/>
+        </p:nvSpPr>
+        <p:spPr>
+          <a:xfrm>
+            <a:off x="6096000" y="2208546"/>
+            <a:ext cx="3531502" cy="1938992"/>
           </a:xfrm>
           <a:prstGeom prst="rect">
             <a:avLst/>
           </a:prstGeom>
         </p:spPr>
-      </p:pic>
-      <p:sp>
-        <p:nvSpPr>
-          <p:cNvPr id="5" name="Slide Number Placeholder 4"/>
+        <p:txBody>
+          <a:bodyPr wrap="square">
+            <a:spAutoFit/>
+          </a:bodyPr>
+          <a:lstStyle/>
+          <a:p>
+            <a:r>
+              <a:rPr lang="en-US" sz="2400" dirty="0" smtClean="0">
+                <a:latin typeface="Consolas" panose="020B0609020204030204" pitchFamily="49" charset="0"/>
+                <a:cs typeface="Consolas" panose="020B0609020204030204" pitchFamily="49" charset="0"/>
+              </a:rPr>
+              <a:t>&gt;&gt; </a:t>
+            </a:r>
+            <a:r>
+              <a:rPr lang="en-US" sz="2400" dirty="0" err="1" smtClean="0">
+                <a:latin typeface="Consolas" panose="020B0609020204030204" pitchFamily="49" charset="0"/>
+                <a:cs typeface="Consolas" panose="020B0609020204030204" pitchFamily="49" charset="0"/>
+              </a:rPr>
+              <a:t>person.firstName</a:t>
+            </a:r>
+            <a:endParaRPr lang="en-US" sz="2400" dirty="0" smtClean="0">
+              <a:latin typeface="Consolas" panose="020B0609020204030204" pitchFamily="49" charset="0"/>
+              <a:cs typeface="Consolas" panose="020B0609020204030204" pitchFamily="49" charset="0"/>
+            </a:endParaRPr>
+          </a:p>
+          <a:p>
+            <a:endParaRPr lang="en-US" sz="2400" dirty="0">
+              <a:latin typeface="Consolas" panose="020B0609020204030204" pitchFamily="49" charset="0"/>
+              <a:cs typeface="Consolas" panose="020B0609020204030204" pitchFamily="49" charset="0"/>
+            </a:endParaRPr>
+          </a:p>
+          <a:p>
+            <a:r>
+              <a:rPr lang="en-US" sz="2400" dirty="0" smtClean="0">
+                <a:latin typeface="Consolas" panose="020B0609020204030204" pitchFamily="49" charset="0"/>
+                <a:cs typeface="Consolas" panose="020B0609020204030204" pitchFamily="49" charset="0"/>
+              </a:rPr>
+              <a:t>&gt;&gt; </a:t>
+            </a:r>
+            <a:r>
+              <a:rPr lang="en-US" sz="2400" dirty="0" err="1" smtClean="0">
+                <a:latin typeface="Consolas" panose="020B0609020204030204" pitchFamily="49" charset="0"/>
+                <a:cs typeface="Consolas" panose="020B0609020204030204" pitchFamily="49" charset="0"/>
+              </a:rPr>
+              <a:t>person.lastName</a:t>
+            </a:r>
+            <a:endParaRPr lang="en-US" sz="2400" dirty="0" smtClean="0">
+              <a:latin typeface="Consolas" panose="020B0609020204030204" pitchFamily="49" charset="0"/>
+              <a:cs typeface="Consolas" panose="020B0609020204030204" pitchFamily="49" charset="0"/>
+            </a:endParaRPr>
+          </a:p>
+          <a:p>
+            <a:endParaRPr lang="en-US" sz="2400" dirty="0">
+              <a:latin typeface="Consolas" panose="020B0609020204030204" pitchFamily="49" charset="0"/>
+              <a:cs typeface="Consolas" panose="020B0609020204030204" pitchFamily="49" charset="0"/>
+            </a:endParaRPr>
+          </a:p>
+          <a:p>
+            <a:r>
+              <a:rPr lang="en-US" sz="2400" dirty="0" smtClean="0">
+                <a:latin typeface="Consolas" panose="020B0609020204030204" pitchFamily="49" charset="0"/>
+                <a:cs typeface="Consolas" panose="020B0609020204030204" pitchFamily="49" charset="0"/>
+              </a:rPr>
+              <a:t>&gt;&gt; </a:t>
+            </a:r>
+            <a:r>
+              <a:rPr lang="en-US" sz="2400" dirty="0">
+                <a:latin typeface="Consolas" panose="020B0609020204030204" pitchFamily="49" charset="0"/>
+                <a:cs typeface="Consolas" panose="020B0609020204030204" pitchFamily="49" charset="0"/>
+              </a:rPr>
+              <a:t>person["</a:t>
+            </a:r>
+            <a:r>
+              <a:rPr lang="en-US" sz="2400" dirty="0" smtClean="0">
+                <a:latin typeface="Consolas" panose="020B0609020204030204" pitchFamily="49" charset="0"/>
+                <a:cs typeface="Consolas" panose="020B0609020204030204" pitchFamily="49" charset="0"/>
+              </a:rPr>
+              <a:t>age</a:t>
+            </a:r>
+            <a:r>
+              <a:rPr lang="en-US" sz="2400" dirty="0">
+                <a:latin typeface="Consolas" panose="020B0609020204030204" pitchFamily="49" charset="0"/>
+                <a:cs typeface="Consolas" panose="020B0609020204030204" pitchFamily="49" charset="0"/>
+              </a:rPr>
+              <a:t>"]</a:t>
+            </a:r>
+          </a:p>
+        </p:txBody>
+      </p:sp>
+      <p:sp>
+        <p:nvSpPr>
+          <p:cNvPr id="6" name="Rectangle 5"/>
+          <p:cNvSpPr/>
+          <p:nvPr/>
+        </p:nvSpPr>
+        <p:spPr>
+          <a:xfrm>
+            <a:off x="5082988" y="1627672"/>
+            <a:ext cx="6696636" cy="523220"/>
+          </a:xfrm>
+          <a:prstGeom prst="rect">
+            <a:avLst/>
+          </a:prstGeom>
+        </p:spPr>
+        <p:txBody>
+          <a:bodyPr wrap="square">
+            <a:spAutoFit/>
+          </a:bodyPr>
+          <a:lstStyle/>
+          <a:p>
+            <a:pPr marL="342900" indent="-342900">
+              <a:buFont typeface="Arial" panose="020B0604020202020204" pitchFamily="34" charset="0"/>
+              <a:buChar char="•"/>
+            </a:pPr>
+            <a:r>
+              <a:rPr lang="en-US" sz="2800" dirty="0" smtClean="0">
+                <a:cs typeface="Consolas" panose="020B0609020204030204" pitchFamily="49" charset="0"/>
+              </a:rPr>
+              <a:t>What’s the output of the following lines?</a:t>
+            </a:r>
+            <a:endParaRPr lang="en-US" sz="2800" dirty="0">
+              <a:cs typeface="Consolas" panose="020B0609020204030204" pitchFamily="49" charset="0"/>
+            </a:endParaRPr>
+          </a:p>
+        </p:txBody>
+      </p:sp>
+      <p:sp>
+        <p:nvSpPr>
+          <p:cNvPr id="7" name="Rectangle 6"/>
+          <p:cNvSpPr/>
+          <p:nvPr/>
+        </p:nvSpPr>
+        <p:spPr>
+          <a:xfrm>
+            <a:off x="996328" y="5345025"/>
+            <a:ext cx="9339977" cy="523220"/>
+          </a:xfrm>
+          <a:prstGeom prst="rect">
+            <a:avLst/>
+          </a:prstGeom>
+        </p:spPr>
+        <p:txBody>
+          <a:bodyPr wrap="square">
+            <a:spAutoFit/>
+          </a:bodyPr>
+          <a:lstStyle/>
+          <a:p>
+            <a:pPr marL="342900" indent="-342900">
+              <a:buFont typeface="Arial" panose="020B0604020202020204" pitchFamily="34" charset="0"/>
+              <a:buChar char="•"/>
+            </a:pPr>
+            <a:r>
+              <a:rPr lang="en-US" sz="2800" dirty="0" smtClean="0">
+                <a:cs typeface="Consolas" panose="020B0609020204030204" pitchFamily="49" charset="0"/>
+              </a:rPr>
+              <a:t>How would we change the person’s </a:t>
+            </a:r>
+            <a:r>
+              <a:rPr lang="en-US" sz="2800" dirty="0" err="1" smtClean="0">
+                <a:cs typeface="Consolas" panose="020B0609020204030204" pitchFamily="49" charset="0"/>
+              </a:rPr>
+              <a:t>eyeColor</a:t>
+            </a:r>
+            <a:r>
+              <a:rPr lang="en-US" sz="2800" dirty="0" smtClean="0">
+                <a:cs typeface="Consolas" panose="020B0609020204030204" pitchFamily="49" charset="0"/>
+              </a:rPr>
+              <a:t> to </a:t>
+            </a:r>
+            <a:r>
+              <a:rPr lang="en-US" sz="2800" dirty="0">
+                <a:latin typeface="Consolas" panose="020B0609020204030204" pitchFamily="49" charset="0"/>
+                <a:cs typeface="Consolas" panose="020B0609020204030204" pitchFamily="49" charset="0"/>
+              </a:rPr>
+              <a:t>"</a:t>
+            </a:r>
+            <a:r>
+              <a:rPr lang="en-US" sz="2800" dirty="0" smtClean="0">
+                <a:cs typeface="Consolas" panose="020B0609020204030204" pitchFamily="49" charset="0"/>
+              </a:rPr>
+              <a:t>blue</a:t>
+            </a:r>
+            <a:r>
+              <a:rPr lang="en-US" sz="2800" dirty="0">
+                <a:latin typeface="Consolas" panose="020B0609020204030204" pitchFamily="49" charset="0"/>
+                <a:cs typeface="Consolas" panose="020B0609020204030204" pitchFamily="49" charset="0"/>
+              </a:rPr>
+              <a:t>"</a:t>
+            </a:r>
+            <a:r>
+              <a:rPr lang="en-US" sz="2800" dirty="0" smtClean="0">
+                <a:cs typeface="Consolas" panose="020B0609020204030204" pitchFamily="49" charset="0"/>
+              </a:rPr>
+              <a:t>?</a:t>
+            </a:r>
+            <a:endParaRPr lang="en-US" sz="2800" dirty="0">
+              <a:cs typeface="Consolas" panose="020B0609020204030204" pitchFamily="49" charset="0"/>
+            </a:endParaRPr>
+          </a:p>
+        </p:txBody>
+      </p:sp>
+      <p:sp>
+        <p:nvSpPr>
+          <p:cNvPr id="4" name="Rectangle 3"/>
+          <p:cNvSpPr/>
+          <p:nvPr/>
+        </p:nvSpPr>
+        <p:spPr>
+          <a:xfrm>
+            <a:off x="2430682" y="4768056"/>
+            <a:ext cx="6096000" cy="584775"/>
+          </a:xfrm>
+          <a:prstGeom prst="rect">
+            <a:avLst/>
+          </a:prstGeom>
+        </p:spPr>
+        <p:txBody>
+          <a:bodyPr>
+            <a:spAutoFit/>
+          </a:bodyPr>
+          <a:lstStyle/>
+          <a:p>
+            <a:pPr algn="ctr"/>
+            <a:r>
+              <a:rPr lang="en-US" sz="3200" i="1" dirty="0" smtClean="0"/>
+              <a:t>Objects are mutable</a:t>
+            </a:r>
+            <a:endParaRPr lang="en-US" sz="3200" i="1" dirty="0"/>
+          </a:p>
+        </p:txBody>
+      </p:sp>
+      <p:sp>
+        <p:nvSpPr>
+          <p:cNvPr id="8" name="Rectangle 7"/>
+          <p:cNvSpPr/>
+          <p:nvPr/>
+        </p:nvSpPr>
+        <p:spPr>
+          <a:xfrm>
+            <a:off x="2430682" y="5868245"/>
+            <a:ext cx="4971213" cy="461665"/>
+          </a:xfrm>
+          <a:prstGeom prst="rect">
+            <a:avLst/>
+          </a:prstGeom>
+        </p:spPr>
+        <p:txBody>
+          <a:bodyPr wrap="square">
+            <a:spAutoFit/>
+          </a:bodyPr>
+          <a:lstStyle/>
+          <a:p>
+            <a:r>
+              <a:rPr lang="en-US" sz="2400" dirty="0" smtClean="0">
+                <a:latin typeface="Consolas" panose="020B0609020204030204" pitchFamily="49" charset="0"/>
+                <a:cs typeface="Consolas" panose="020B0609020204030204" pitchFamily="49" charset="0"/>
+              </a:rPr>
+              <a:t>&gt;&gt; </a:t>
+            </a:r>
+            <a:r>
+              <a:rPr lang="en-US" sz="2400" dirty="0" err="1" smtClean="0">
+                <a:latin typeface="Consolas" panose="020B0609020204030204" pitchFamily="49" charset="0"/>
+                <a:cs typeface="Consolas" panose="020B0609020204030204" pitchFamily="49" charset="0"/>
+              </a:rPr>
+              <a:t>person.eyeColor</a:t>
+            </a:r>
+            <a:r>
+              <a:rPr lang="en-US" sz="2400" dirty="0" smtClean="0">
+                <a:latin typeface="Consolas" panose="020B0609020204030204" pitchFamily="49" charset="0"/>
+                <a:cs typeface="Consolas" panose="020B0609020204030204" pitchFamily="49" charset="0"/>
+              </a:rPr>
+              <a:t> = </a:t>
+            </a:r>
+            <a:r>
+              <a:rPr lang="en-US" sz="2400" dirty="0">
+                <a:latin typeface="Consolas" panose="020B0609020204030204" pitchFamily="49" charset="0"/>
+                <a:cs typeface="Consolas" panose="020B0609020204030204" pitchFamily="49" charset="0"/>
+              </a:rPr>
+              <a:t>"</a:t>
+            </a:r>
+            <a:r>
+              <a:rPr lang="en-US" sz="2400" dirty="0" smtClean="0">
+                <a:latin typeface="Consolas" panose="020B0609020204030204" pitchFamily="49" charset="0"/>
+                <a:cs typeface="Consolas" panose="020B0609020204030204" pitchFamily="49" charset="0"/>
+              </a:rPr>
+              <a:t>blue</a:t>
+            </a:r>
+            <a:r>
+              <a:rPr lang="en-US" sz="2400" dirty="0">
+                <a:latin typeface="Consolas" panose="020B0609020204030204" pitchFamily="49" charset="0"/>
+                <a:cs typeface="Consolas" panose="020B0609020204030204" pitchFamily="49" charset="0"/>
+              </a:rPr>
+              <a:t>"</a:t>
+            </a:r>
+            <a:endParaRPr lang="en-US" sz="2400" dirty="0" smtClean="0">
+              <a:latin typeface="Consolas" panose="020B0609020204030204" pitchFamily="49" charset="0"/>
+              <a:cs typeface="Consolas" panose="020B0609020204030204" pitchFamily="49" charset="0"/>
+            </a:endParaRPr>
+          </a:p>
+        </p:txBody>
+      </p:sp>
+      <p:sp>
+        <p:nvSpPr>
+          <p:cNvPr id="9" name="Slide Number Placeholder 8"/>
           <p:cNvSpPr>
             <a:spLocks noGrp="1"/>
           </p:cNvSpPr>
@@ -5491,7 +6059,7 @@
     </p:spTree>
     <p:extLst>
       <p:ext uri="{BB962C8B-B14F-4D97-AF65-F5344CB8AC3E}">
-        <p14:creationId xmlns:p14="http://schemas.microsoft.com/office/powerpoint/2010/main" val="2932140417"/>
+        <p14:creationId xmlns:p14="http://schemas.microsoft.com/office/powerpoint/2010/main" val="2707601788"/>
       </p:ext>
     </p:extLst>
   </p:cSld>
@@ -7234,7 +7802,12 @@
             <p:ph type="title"/>
           </p:nvPr>
         </p:nvSpPr>
-        <p:spPr/>
+        <p:spPr>
+          <a:xfrm>
+            <a:off x="838200" y="214195"/>
+            <a:ext cx="10515600" cy="1325563"/>
+          </a:xfrm>
+        </p:spPr>
         <p:txBody>
           <a:bodyPr>
             <a:normAutofit/>
@@ -7243,7 +7816,7 @@
           <a:p>
             <a:r>
               <a:rPr lang="en-US" sz="5400" dirty="0" smtClean="0"/>
-              <a:t>Objects</a:t>
+              <a:t>jQuery</a:t>
             </a:r>
             <a:endParaRPr lang="en-US" sz="5400" dirty="0"/>
           </a:p>
@@ -7261,256 +7834,96 @@
         </p:nvSpPr>
         <p:spPr>
           <a:xfrm>
-            <a:off x="838200" y="1825625"/>
-            <a:ext cx="4468906" cy="2862122"/>
+            <a:off x="766482" y="1301763"/>
+            <a:ext cx="10515600" cy="4351338"/>
           </a:xfrm>
         </p:spPr>
         <p:txBody>
           <a:bodyPr>
-            <a:noAutofit/>
+            <a:normAutofit/>
           </a:bodyPr>
           <a:lstStyle/>
           <a:p>
-            <a:pPr marL="0" indent="0">
+            <a:pPr marL="0" indent="0" algn="ctr">
               <a:buNone/>
             </a:pPr>
             <a:r>
-              <a:rPr lang="en-US" dirty="0" err="1" smtClean="0">
-                <a:latin typeface="Consolas" panose="020B0609020204030204" pitchFamily="49" charset="0"/>
-                <a:cs typeface="Consolas" panose="020B0609020204030204" pitchFamily="49" charset="0"/>
-              </a:rPr>
-              <a:t>var</a:t>
-            </a:r>
-            <a:r>
-              <a:rPr lang="en-US" dirty="0" smtClean="0">
-                <a:latin typeface="Consolas" panose="020B0609020204030204" pitchFamily="49" charset="0"/>
-                <a:cs typeface="Consolas" panose="020B0609020204030204" pitchFamily="49" charset="0"/>
-              </a:rPr>
-              <a:t> person = {</a:t>
-            </a:r>
-          </a:p>
-          <a:p>
-            <a:pPr marL="0" indent="0">
+              <a:rPr lang="en-US" sz="3600" dirty="0" smtClean="0"/>
+              <a:t>A </a:t>
+            </a:r>
+            <a:r>
+              <a:rPr lang="en-US" sz="3600" b="1" dirty="0" smtClean="0"/>
+              <a:t>JavaScript</a:t>
+            </a:r>
+            <a:r>
+              <a:rPr lang="en-US" sz="3600" dirty="0" smtClean="0"/>
+              <a:t> </a:t>
+            </a:r>
+            <a:r>
+              <a:rPr lang="en-US" sz="3600" b="1" dirty="0" smtClean="0"/>
+              <a:t>library</a:t>
+            </a:r>
+            <a:r>
+              <a:rPr lang="en-US" sz="3600" dirty="0" smtClean="0"/>
+              <a:t> that simplifies</a:t>
+            </a:r>
+          </a:p>
+          <a:p>
+            <a:pPr marL="0" indent="0" algn="ctr">
               <a:buNone/>
             </a:pPr>
-            <a:r>
-              <a:rPr lang="en-US" dirty="0" smtClean="0">
-                <a:latin typeface="Consolas" panose="020B0609020204030204" pitchFamily="49" charset="0"/>
-                <a:cs typeface="Consolas" panose="020B0609020204030204" pitchFamily="49" charset="0"/>
-              </a:rPr>
-              <a:t>    </a:t>
-            </a:r>
-            <a:r>
-              <a:rPr lang="en-US" dirty="0" err="1" smtClean="0">
-                <a:latin typeface="Consolas" panose="020B0609020204030204" pitchFamily="49" charset="0"/>
-                <a:cs typeface="Consolas" panose="020B0609020204030204" pitchFamily="49" charset="0"/>
-              </a:rPr>
-              <a:t>firstName</a:t>
-            </a:r>
-            <a:r>
-              <a:rPr lang="en-US" dirty="0" smtClean="0">
-                <a:latin typeface="Consolas" panose="020B0609020204030204" pitchFamily="49" charset="0"/>
-                <a:cs typeface="Consolas" panose="020B0609020204030204" pitchFamily="49" charset="0"/>
-              </a:rPr>
-              <a:t>:"John",</a:t>
-            </a:r>
-          </a:p>
-          <a:p>
-            <a:pPr marL="0" indent="0">
+            <a:endParaRPr lang="en-US" sz="3600" dirty="0"/>
+          </a:p>
+          <a:p>
+            <a:pPr marL="0" indent="0" algn="ctr">
               <a:buNone/>
             </a:pPr>
-            <a:r>
-              <a:rPr lang="en-US" dirty="0" smtClean="0">
-                <a:latin typeface="Consolas" panose="020B0609020204030204" pitchFamily="49" charset="0"/>
-                <a:cs typeface="Consolas" panose="020B0609020204030204" pitchFamily="49" charset="0"/>
-              </a:rPr>
-              <a:t>    </a:t>
-            </a:r>
-            <a:r>
-              <a:rPr lang="en-US" dirty="0" err="1" smtClean="0">
-                <a:latin typeface="Consolas" panose="020B0609020204030204" pitchFamily="49" charset="0"/>
-                <a:cs typeface="Consolas" panose="020B0609020204030204" pitchFamily="49" charset="0"/>
-              </a:rPr>
-              <a:t>lastName</a:t>
-            </a:r>
-            <a:r>
-              <a:rPr lang="en-US" dirty="0" smtClean="0">
-                <a:latin typeface="Consolas" panose="020B0609020204030204" pitchFamily="49" charset="0"/>
-                <a:cs typeface="Consolas" panose="020B0609020204030204" pitchFamily="49" charset="0"/>
-              </a:rPr>
-              <a:t>:"Doe",</a:t>
-            </a:r>
-          </a:p>
-          <a:p>
-            <a:pPr marL="0" indent="0">
+            <a:endParaRPr lang="en-US" sz="3600" dirty="0" smtClean="0"/>
+          </a:p>
+          <a:p>
+            <a:pPr marL="0" indent="0" algn="ctr">
               <a:buNone/>
             </a:pPr>
-            <a:r>
-              <a:rPr lang="en-US" dirty="0" smtClean="0">
-                <a:latin typeface="Consolas" panose="020B0609020204030204" pitchFamily="49" charset="0"/>
-                <a:cs typeface="Consolas" panose="020B0609020204030204" pitchFamily="49" charset="0"/>
-              </a:rPr>
-              <a:t>    age:20,</a:t>
-            </a:r>
-          </a:p>
-          <a:p>
-            <a:pPr marL="0" indent="0">
+            <a:endParaRPr lang="en-US" sz="3600" dirty="0"/>
+          </a:p>
+          <a:p>
+            <a:pPr marL="0" indent="0" algn="ctr">
               <a:buNone/>
             </a:pPr>
-            <a:r>
-              <a:rPr lang="en-US" dirty="0" smtClean="0">
-                <a:latin typeface="Consolas" panose="020B0609020204030204" pitchFamily="49" charset="0"/>
-                <a:cs typeface="Consolas" panose="020B0609020204030204" pitchFamily="49" charset="0"/>
-              </a:rPr>
-              <a:t>    </a:t>
-            </a:r>
-            <a:r>
-              <a:rPr lang="en-US" dirty="0" err="1" smtClean="0">
-                <a:latin typeface="Consolas" panose="020B0609020204030204" pitchFamily="49" charset="0"/>
-                <a:cs typeface="Consolas" panose="020B0609020204030204" pitchFamily="49" charset="0"/>
-              </a:rPr>
-              <a:t>eyeColor</a:t>
-            </a:r>
-            <a:r>
-              <a:rPr lang="en-US" dirty="0" smtClean="0">
-                <a:latin typeface="Consolas" panose="020B0609020204030204" pitchFamily="49" charset="0"/>
-                <a:cs typeface="Consolas" panose="020B0609020204030204" pitchFamily="49" charset="0"/>
-              </a:rPr>
-              <a:t>:"brown"</a:t>
-            </a:r>
-          </a:p>
-          <a:p>
-            <a:pPr marL="0" indent="0">
+            <a:endParaRPr lang="en-US" sz="3600" dirty="0" smtClean="0"/>
+          </a:p>
+          <a:p>
+            <a:pPr marL="0" indent="0" algn="ctr">
               <a:buNone/>
             </a:pPr>
-            <a:r>
-              <a:rPr lang="en-US" dirty="0" smtClean="0">
-                <a:latin typeface="Consolas" panose="020B0609020204030204" pitchFamily="49" charset="0"/>
-                <a:cs typeface="Consolas" panose="020B0609020204030204" pitchFamily="49" charset="0"/>
-              </a:rPr>
-              <a:t>};</a:t>
-            </a:r>
-            <a:endParaRPr lang="en-US" dirty="0">
-              <a:latin typeface="Consolas" panose="020B0609020204030204" pitchFamily="49" charset="0"/>
-              <a:cs typeface="Consolas" panose="020B0609020204030204" pitchFamily="49" charset="0"/>
-            </a:endParaRPr>
-          </a:p>
-        </p:txBody>
-      </p:sp>
-      <p:sp>
-        <p:nvSpPr>
-          <p:cNvPr id="5" name="Rectangle 4"/>
+            <a:endParaRPr lang="en-US" sz="2400" dirty="0" smtClean="0"/>
+          </a:p>
+          <a:p>
+            <a:pPr marL="0" indent="0" algn="ctr">
+              <a:buNone/>
+            </a:pPr>
+            <a:r>
+              <a:rPr lang="en-US" sz="3600" dirty="0"/>
+              <a:t>w</a:t>
+            </a:r>
+            <a:r>
+              <a:rPr lang="en-US" sz="3600" dirty="0" smtClean="0"/>
+              <a:t>ith an easy-to-use API</a:t>
+            </a:r>
+            <a:endParaRPr lang="en-US" sz="3600" dirty="0"/>
+          </a:p>
+        </p:txBody>
+      </p:sp>
+      <p:sp>
+        <p:nvSpPr>
+          <p:cNvPr id="4" name="Rectangle 3"/>
           <p:cNvSpPr/>
           <p:nvPr/>
         </p:nvSpPr>
         <p:spPr>
           <a:xfrm>
-            <a:off x="6096000" y="2208546"/>
-            <a:ext cx="3531502" cy="1938992"/>
-          </a:xfrm>
-          <a:prstGeom prst="rect">
-            <a:avLst/>
-          </a:prstGeom>
-        </p:spPr>
-        <p:txBody>
-          <a:bodyPr wrap="square">
-            <a:spAutoFit/>
-          </a:bodyPr>
-          <a:lstStyle/>
-          <a:p>
-            <a:r>
-              <a:rPr lang="en-US" sz="2400" dirty="0" smtClean="0">
-                <a:latin typeface="Consolas" panose="020B0609020204030204" pitchFamily="49" charset="0"/>
-                <a:cs typeface="Consolas" panose="020B0609020204030204" pitchFamily="49" charset="0"/>
-              </a:rPr>
-              <a:t>&gt;&gt; </a:t>
-            </a:r>
-            <a:r>
-              <a:rPr lang="en-US" sz="2400" dirty="0" err="1" smtClean="0">
-                <a:latin typeface="Consolas" panose="020B0609020204030204" pitchFamily="49" charset="0"/>
-                <a:cs typeface="Consolas" panose="020B0609020204030204" pitchFamily="49" charset="0"/>
-              </a:rPr>
-              <a:t>person.firstName</a:t>
-            </a:r>
-            <a:endParaRPr lang="en-US" sz="2400" dirty="0" smtClean="0">
-              <a:latin typeface="Consolas" panose="020B0609020204030204" pitchFamily="49" charset="0"/>
-              <a:cs typeface="Consolas" panose="020B0609020204030204" pitchFamily="49" charset="0"/>
-            </a:endParaRPr>
-          </a:p>
-          <a:p>
-            <a:endParaRPr lang="en-US" sz="2400" dirty="0">
-              <a:latin typeface="Consolas" panose="020B0609020204030204" pitchFamily="49" charset="0"/>
-              <a:cs typeface="Consolas" panose="020B0609020204030204" pitchFamily="49" charset="0"/>
-            </a:endParaRPr>
-          </a:p>
-          <a:p>
-            <a:r>
-              <a:rPr lang="en-US" sz="2400" dirty="0" smtClean="0">
-                <a:latin typeface="Consolas" panose="020B0609020204030204" pitchFamily="49" charset="0"/>
-                <a:cs typeface="Consolas" panose="020B0609020204030204" pitchFamily="49" charset="0"/>
-              </a:rPr>
-              <a:t>&gt;&gt; </a:t>
-            </a:r>
-            <a:r>
-              <a:rPr lang="en-US" sz="2400" dirty="0" err="1" smtClean="0">
-                <a:latin typeface="Consolas" panose="020B0609020204030204" pitchFamily="49" charset="0"/>
-                <a:cs typeface="Consolas" panose="020B0609020204030204" pitchFamily="49" charset="0"/>
-              </a:rPr>
-              <a:t>person.lastName</a:t>
-            </a:r>
-            <a:endParaRPr lang="en-US" sz="2400" dirty="0" smtClean="0">
-              <a:latin typeface="Consolas" panose="020B0609020204030204" pitchFamily="49" charset="0"/>
-              <a:cs typeface="Consolas" panose="020B0609020204030204" pitchFamily="49" charset="0"/>
-            </a:endParaRPr>
-          </a:p>
-          <a:p>
-            <a:endParaRPr lang="en-US" sz="2400" dirty="0">
-              <a:latin typeface="Consolas" panose="020B0609020204030204" pitchFamily="49" charset="0"/>
-              <a:cs typeface="Consolas" panose="020B0609020204030204" pitchFamily="49" charset="0"/>
-            </a:endParaRPr>
-          </a:p>
-          <a:p>
-            <a:r>
-              <a:rPr lang="en-US" sz="2400" dirty="0" smtClean="0">
-                <a:latin typeface="Consolas" panose="020B0609020204030204" pitchFamily="49" charset="0"/>
-                <a:cs typeface="Consolas" panose="020B0609020204030204" pitchFamily="49" charset="0"/>
-              </a:rPr>
-              <a:t>&gt;&gt; </a:t>
-            </a:r>
-            <a:r>
-              <a:rPr lang="en-US" sz="2400" dirty="0">
-                <a:latin typeface="Consolas" panose="020B0609020204030204" pitchFamily="49" charset="0"/>
-                <a:cs typeface="Consolas" panose="020B0609020204030204" pitchFamily="49" charset="0"/>
-              </a:rPr>
-              <a:t>person["</a:t>
-            </a:r>
-            <a:r>
-              <a:rPr lang="en-US" sz="2400" dirty="0" smtClean="0">
-                <a:latin typeface="Consolas" panose="020B0609020204030204" pitchFamily="49" charset="0"/>
-                <a:cs typeface="Consolas" panose="020B0609020204030204" pitchFamily="49" charset="0"/>
-              </a:rPr>
-              <a:t>age</a:t>
-            </a:r>
-            <a:r>
-              <a:rPr lang="en-US" sz="2400" dirty="0">
-                <a:latin typeface="Consolas" panose="020B0609020204030204" pitchFamily="49" charset="0"/>
-                <a:cs typeface="Consolas" panose="020B0609020204030204" pitchFamily="49" charset="0"/>
-              </a:rPr>
-              <a:t>"]</a:t>
-            </a:r>
-          </a:p>
-        </p:txBody>
-      </p:sp>
-      <p:sp>
-        <p:nvSpPr>
-          <p:cNvPr id="6" name="Rectangle 5"/>
-          <p:cNvSpPr/>
-          <p:nvPr/>
-        </p:nvSpPr>
-        <p:spPr>
-          <a:xfrm>
-            <a:off x="5082988" y="1627672"/>
-            <a:ext cx="6696636" cy="523220"/>
+            <a:off x="1824725" y="2184104"/>
+            <a:ext cx="8941888" cy="2308324"/>
           </a:xfrm>
           <a:prstGeom prst="rect">
             <a:avLst/>
@@ -7527,125 +7940,80 @@
               <a:buChar char="•"/>
             </a:pPr>
             <a:r>
-              <a:rPr lang="en-US" sz="2800" dirty="0" smtClean="0">
-                <a:cs typeface="Consolas" panose="020B0609020204030204" pitchFamily="49" charset="0"/>
-              </a:rPr>
-              <a:t>What’s the output of the following lines?</a:t>
-            </a:r>
-            <a:endParaRPr lang="en-US" sz="2800" dirty="0">
-              <a:cs typeface="Consolas" panose="020B0609020204030204" pitchFamily="49" charset="0"/>
-            </a:endParaRPr>
-          </a:p>
-        </p:txBody>
-      </p:sp>
-      <p:sp>
-        <p:nvSpPr>
-          <p:cNvPr id="7" name="Rectangle 6"/>
-          <p:cNvSpPr/>
-          <p:nvPr/>
-        </p:nvSpPr>
-        <p:spPr>
-          <a:xfrm>
-            <a:off x="996328" y="5345025"/>
-            <a:ext cx="9339977" cy="523220"/>
-          </a:xfrm>
-          <a:prstGeom prst="rect">
-            <a:avLst/>
-          </a:prstGeom>
-        </p:spPr>
-        <p:txBody>
-          <a:bodyPr wrap="square">
-            <a:spAutoFit/>
-          </a:bodyPr>
-          <a:lstStyle/>
+              <a:rPr lang="en-US" sz="3600" dirty="0" smtClean="0"/>
+              <a:t>HTML document traversal and manipulation</a:t>
+            </a:r>
+          </a:p>
           <a:p>
             <a:pPr marL="342900" indent="-342900">
               <a:buFont typeface="Arial" panose="020B0604020202020204" pitchFamily="34" charset="0"/>
               <a:buChar char="•"/>
             </a:pPr>
             <a:r>
-              <a:rPr lang="en-US" sz="2800" dirty="0" smtClean="0">
-                <a:cs typeface="Consolas" panose="020B0609020204030204" pitchFamily="49" charset="0"/>
-              </a:rPr>
-              <a:t>How would we change the person’s </a:t>
-            </a:r>
-            <a:r>
-              <a:rPr lang="en-US" sz="2800" dirty="0" err="1" smtClean="0">
-                <a:cs typeface="Consolas" panose="020B0609020204030204" pitchFamily="49" charset="0"/>
-              </a:rPr>
-              <a:t>eyeColor</a:t>
-            </a:r>
-            <a:r>
-              <a:rPr lang="en-US" sz="2800" dirty="0" smtClean="0">
-                <a:cs typeface="Consolas" panose="020B0609020204030204" pitchFamily="49" charset="0"/>
-              </a:rPr>
-              <a:t> to </a:t>
-            </a:r>
-            <a:r>
-              <a:rPr lang="en-US" sz="2800" dirty="0">
-                <a:latin typeface="Consolas" panose="020B0609020204030204" pitchFamily="49" charset="0"/>
-                <a:cs typeface="Consolas" panose="020B0609020204030204" pitchFamily="49" charset="0"/>
-              </a:rPr>
-              <a:t>"</a:t>
-            </a:r>
-            <a:r>
-              <a:rPr lang="en-US" sz="2800" dirty="0" smtClean="0">
-                <a:cs typeface="Consolas" panose="020B0609020204030204" pitchFamily="49" charset="0"/>
-              </a:rPr>
-              <a:t>blue</a:t>
-            </a:r>
-            <a:r>
-              <a:rPr lang="en-US" sz="2800" dirty="0">
-                <a:latin typeface="Consolas" panose="020B0609020204030204" pitchFamily="49" charset="0"/>
-                <a:cs typeface="Consolas" panose="020B0609020204030204" pitchFamily="49" charset="0"/>
-              </a:rPr>
-              <a:t>"</a:t>
-            </a:r>
-            <a:r>
-              <a:rPr lang="en-US" sz="2800" dirty="0" smtClean="0">
-                <a:cs typeface="Consolas" panose="020B0609020204030204" pitchFamily="49" charset="0"/>
-              </a:rPr>
-              <a:t>?</a:t>
-            </a:r>
-            <a:endParaRPr lang="en-US" sz="2800" dirty="0">
-              <a:cs typeface="Consolas" panose="020B0609020204030204" pitchFamily="49" charset="0"/>
-            </a:endParaRPr>
-          </a:p>
-        </p:txBody>
-      </p:sp>
-      <p:sp>
-        <p:nvSpPr>
-          <p:cNvPr id="4" name="Rectangle 3"/>
+              <a:rPr lang="en-US" sz="3600" dirty="0" smtClean="0"/>
+              <a:t>Event handling</a:t>
+            </a:r>
+          </a:p>
+          <a:p>
+            <a:pPr marL="342900" indent="-342900">
+              <a:buFont typeface="Arial" panose="020B0604020202020204" pitchFamily="34" charset="0"/>
+              <a:buChar char="•"/>
+            </a:pPr>
+            <a:r>
+              <a:rPr lang="en-US" sz="3600" dirty="0" smtClean="0"/>
+              <a:t>Animation</a:t>
+            </a:r>
+          </a:p>
+          <a:p>
+            <a:pPr marL="342900" indent="-342900">
+              <a:buFont typeface="Arial" panose="020B0604020202020204" pitchFamily="34" charset="0"/>
+              <a:buChar char="•"/>
+            </a:pPr>
+            <a:r>
+              <a:rPr lang="en-US" sz="3600" dirty="0" smtClean="0"/>
+              <a:t>AJAX (Asynchronous JavaScript and XML)</a:t>
+            </a:r>
+          </a:p>
+        </p:txBody>
+      </p:sp>
+      <p:sp>
+        <p:nvSpPr>
+          <p:cNvPr id="5" name="Rectangle 4"/>
           <p:cNvSpPr/>
           <p:nvPr/>
         </p:nvSpPr>
         <p:spPr>
           <a:xfrm>
-            <a:off x="2430682" y="4768056"/>
-            <a:ext cx="6096000" cy="584775"/>
+            <a:off x="4568434" y="5422269"/>
+            <a:ext cx="3055132" cy="461665"/>
           </a:xfrm>
           <a:prstGeom prst="rect">
             <a:avLst/>
           </a:prstGeom>
         </p:spPr>
         <p:txBody>
-          <a:bodyPr>
+          <a:bodyPr wrap="none">
             <a:spAutoFit/>
           </a:bodyPr>
           <a:lstStyle/>
           <a:p>
-            <a:pPr algn="ctr"/>
-            <a:r>
-              <a:rPr lang="en-US" sz="3200" i="1" dirty="0" smtClean="0"/>
-              <a:t>Objects are mutable</a:t>
-            </a:r>
-            <a:endParaRPr lang="en-US" sz="3200" i="1" dirty="0"/>
-          </a:p>
-        </p:txBody>
-      </p:sp>
-      <p:sp>
-        <p:nvSpPr>
-          <p:cNvPr id="8" name="Slide Number Placeholder 7"/>
+            <a:r>
+              <a:rPr lang="en-US" sz="2400" dirty="0" smtClean="0">
+                <a:hlinkClick r:id="rId2"/>
+              </a:rPr>
+              <a:t>http://api.jquery.com/</a:t>
+            </a:r>
+            <a:r>
+              <a:rPr lang="en-US" sz="2400" dirty="0" smtClean="0"/>
+              <a:t> </a:t>
+            </a:r>
+            <a:endParaRPr lang="en-US" sz="2400" dirty="0"/>
+          </a:p>
+        </p:txBody>
+      </p:sp>
+      <p:sp>
+        <p:nvSpPr>
+          <p:cNvPr id="6" name="Slide Number Placeholder 5"/>
           <p:cNvSpPr>
             <a:spLocks noGrp="1"/>
           </p:cNvSpPr>
@@ -7669,7 +8037,7 @@
     </p:spTree>
     <p:extLst>
       <p:ext uri="{BB962C8B-B14F-4D97-AF65-F5344CB8AC3E}">
-        <p14:creationId xmlns:p14="http://schemas.microsoft.com/office/powerpoint/2010/main" val="1313947440"/>
+        <p14:creationId xmlns:p14="http://schemas.microsoft.com/office/powerpoint/2010/main" val="3513712917"/>
       </p:ext>
     </p:extLst>
   </p:cSld>
@@ -7722,7 +8090,7 @@
           <a:p>
             <a:r>
               <a:rPr lang="en-US" sz="5400" dirty="0" smtClean="0"/>
-              <a:t>Objects</a:t>
+              <a:t>Adding jQuery</a:t>
             </a:r>
             <a:endParaRPr lang="en-US" sz="5400" dirty="0"/>
           </a:p>
@@ -7738,463 +8106,95 @@
             <p:ph idx="1"/>
           </p:nvPr>
         </p:nvSpPr>
-        <p:spPr>
-          <a:xfrm>
-            <a:off x="838200" y="1825625"/>
-            <a:ext cx="4468906" cy="2862122"/>
-          </a:xfrm>
-        </p:spPr>
+        <p:spPr/>
         <p:txBody>
           <a:bodyPr>
-            <a:noAutofit/>
+            <a:normAutofit/>
           </a:bodyPr>
           <a:lstStyle/>
           <a:p>
-            <a:pPr marL="0" indent="0">
-              <a:buNone/>
-            </a:pPr>
-            <a:r>
-              <a:rPr lang="en-US" dirty="0" err="1" smtClean="0">
-                <a:latin typeface="Consolas" panose="020B0609020204030204" pitchFamily="49" charset="0"/>
-                <a:cs typeface="Consolas" panose="020B0609020204030204" pitchFamily="49" charset="0"/>
-              </a:rPr>
-              <a:t>var</a:t>
-            </a:r>
-            <a:r>
-              <a:rPr lang="en-US" dirty="0" smtClean="0">
-                <a:latin typeface="Consolas" panose="020B0609020204030204" pitchFamily="49" charset="0"/>
-                <a:cs typeface="Consolas" panose="020B0609020204030204" pitchFamily="49" charset="0"/>
-              </a:rPr>
-              <a:t> person = {</a:t>
-            </a:r>
-          </a:p>
-          <a:p>
-            <a:pPr marL="0" indent="0">
-              <a:buNone/>
-            </a:pPr>
-            <a:r>
-              <a:rPr lang="en-US" dirty="0" smtClean="0">
-                <a:latin typeface="Consolas" panose="020B0609020204030204" pitchFamily="49" charset="0"/>
-                <a:cs typeface="Consolas" panose="020B0609020204030204" pitchFamily="49" charset="0"/>
-              </a:rPr>
-              <a:t>    </a:t>
-            </a:r>
-            <a:r>
-              <a:rPr lang="en-US" dirty="0" err="1" smtClean="0">
-                <a:latin typeface="Consolas" panose="020B0609020204030204" pitchFamily="49" charset="0"/>
-                <a:cs typeface="Consolas" panose="020B0609020204030204" pitchFamily="49" charset="0"/>
-              </a:rPr>
-              <a:t>firstName</a:t>
-            </a:r>
-            <a:r>
-              <a:rPr lang="en-US" dirty="0" smtClean="0">
-                <a:latin typeface="Consolas" panose="020B0609020204030204" pitchFamily="49" charset="0"/>
-                <a:cs typeface="Consolas" panose="020B0609020204030204" pitchFamily="49" charset="0"/>
-              </a:rPr>
-              <a:t>:"John",</a:t>
-            </a:r>
-          </a:p>
-          <a:p>
-            <a:pPr marL="0" indent="0">
-              <a:buNone/>
-            </a:pPr>
-            <a:r>
-              <a:rPr lang="en-US" dirty="0" smtClean="0">
-                <a:latin typeface="Consolas" panose="020B0609020204030204" pitchFamily="49" charset="0"/>
-                <a:cs typeface="Consolas" panose="020B0609020204030204" pitchFamily="49" charset="0"/>
-              </a:rPr>
-              <a:t>    </a:t>
-            </a:r>
-            <a:r>
-              <a:rPr lang="en-US" dirty="0" err="1" smtClean="0">
-                <a:latin typeface="Consolas" panose="020B0609020204030204" pitchFamily="49" charset="0"/>
-                <a:cs typeface="Consolas" panose="020B0609020204030204" pitchFamily="49" charset="0"/>
-              </a:rPr>
-              <a:t>lastName</a:t>
-            </a:r>
-            <a:r>
-              <a:rPr lang="en-US" dirty="0" smtClean="0">
-                <a:latin typeface="Consolas" panose="020B0609020204030204" pitchFamily="49" charset="0"/>
-                <a:cs typeface="Consolas" panose="020B0609020204030204" pitchFamily="49" charset="0"/>
-              </a:rPr>
-              <a:t>:"Doe",</a:t>
-            </a:r>
-          </a:p>
-          <a:p>
-            <a:pPr marL="0" indent="0">
-              <a:buNone/>
-            </a:pPr>
-            <a:r>
-              <a:rPr lang="en-US" dirty="0" smtClean="0">
-                <a:latin typeface="Consolas" panose="020B0609020204030204" pitchFamily="49" charset="0"/>
-                <a:cs typeface="Consolas" panose="020B0609020204030204" pitchFamily="49" charset="0"/>
-              </a:rPr>
-              <a:t>    age:20,</a:t>
-            </a:r>
-          </a:p>
-          <a:p>
-            <a:pPr marL="0" indent="0">
-              <a:buNone/>
-            </a:pPr>
-            <a:r>
-              <a:rPr lang="en-US" dirty="0" smtClean="0">
-                <a:latin typeface="Consolas" panose="020B0609020204030204" pitchFamily="49" charset="0"/>
-                <a:cs typeface="Consolas" panose="020B0609020204030204" pitchFamily="49" charset="0"/>
-              </a:rPr>
-              <a:t>    </a:t>
-            </a:r>
-            <a:r>
-              <a:rPr lang="en-US" dirty="0" err="1" smtClean="0">
-                <a:latin typeface="Consolas" panose="020B0609020204030204" pitchFamily="49" charset="0"/>
-                <a:cs typeface="Consolas" panose="020B0609020204030204" pitchFamily="49" charset="0"/>
-              </a:rPr>
-              <a:t>eyeColor</a:t>
-            </a:r>
-            <a:r>
-              <a:rPr lang="en-US" dirty="0" smtClean="0">
-                <a:latin typeface="Consolas" panose="020B0609020204030204" pitchFamily="49" charset="0"/>
-                <a:cs typeface="Consolas" panose="020B0609020204030204" pitchFamily="49" charset="0"/>
-              </a:rPr>
-              <a:t>:"brown"</a:t>
-            </a:r>
-          </a:p>
-          <a:p>
-            <a:pPr marL="0" indent="0">
-              <a:buNone/>
-            </a:pPr>
-            <a:r>
-              <a:rPr lang="en-US" dirty="0" smtClean="0">
-                <a:latin typeface="Consolas" panose="020B0609020204030204" pitchFamily="49" charset="0"/>
-                <a:cs typeface="Consolas" panose="020B0609020204030204" pitchFamily="49" charset="0"/>
-              </a:rPr>
-              <a:t>};</a:t>
-            </a:r>
-            <a:endParaRPr lang="en-US" dirty="0">
-              <a:latin typeface="Consolas" panose="020B0609020204030204" pitchFamily="49" charset="0"/>
-              <a:cs typeface="Consolas" panose="020B0609020204030204" pitchFamily="49" charset="0"/>
-            </a:endParaRPr>
-          </a:p>
-        </p:txBody>
-      </p:sp>
-      <p:sp>
-        <p:nvSpPr>
-          <p:cNvPr id="5" name="Rectangle 4"/>
-          <p:cNvSpPr/>
+            <a:r>
+              <a:rPr lang="en-US" sz="3600" dirty="0" smtClean="0"/>
+              <a:t>Within your directory</a:t>
+            </a:r>
+          </a:p>
+          <a:p>
+            <a:endParaRPr lang="en-US" sz="3600" dirty="0" smtClean="0"/>
+          </a:p>
+          <a:p>
+            <a:endParaRPr lang="en-US" sz="3600" dirty="0"/>
+          </a:p>
+          <a:p>
+            <a:endParaRPr lang="en-US" sz="3600" dirty="0" smtClean="0"/>
+          </a:p>
+          <a:p>
+            <a:r>
+              <a:rPr lang="en-US" sz="3600" dirty="0" smtClean="0"/>
+              <a:t>With a CDN (content delivery network)</a:t>
+            </a:r>
+          </a:p>
+          <a:p>
+            <a:endParaRPr lang="en-US" sz="3600" dirty="0"/>
+          </a:p>
+          <a:p>
+            <a:endParaRPr lang="en-US" sz="3600" dirty="0" smtClean="0"/>
+          </a:p>
+          <a:p>
+            <a:endParaRPr lang="en-US" sz="3600" dirty="0"/>
+          </a:p>
+        </p:txBody>
+      </p:sp>
+      <p:pic>
+        <p:nvPicPr>
+          <p:cNvPr id="5" name="Picture 4"/>
+          <p:cNvPicPr>
+            <a:picLocks noChangeAspect="1"/>
+          </p:cNvPicPr>
           <p:nvPr/>
-        </p:nvSpPr>
-        <p:spPr>
-          <a:xfrm>
-            <a:off x="6096000" y="2208546"/>
-            <a:ext cx="3531502" cy="1938992"/>
+        </p:nvPicPr>
+        <p:blipFill>
+          <a:blip r:embed="rId2"/>
+          <a:stretch>
+            <a:fillRect/>
+          </a:stretch>
+        </p:blipFill>
+        <p:spPr>
+          <a:xfrm>
+            <a:off x="1480963" y="5058674"/>
+            <a:ext cx="10142831" cy="901585"/>
           </a:xfrm>
           <a:prstGeom prst="rect">
             <a:avLst/>
           </a:prstGeom>
         </p:spPr>
-        <p:txBody>
-          <a:bodyPr wrap="square">
-            <a:spAutoFit/>
-          </a:bodyPr>
-          <a:lstStyle/>
-          <a:p>
-            <a:r>
-              <a:rPr lang="en-US" sz="2400" dirty="0" smtClean="0">
-                <a:latin typeface="Consolas" panose="020B0609020204030204" pitchFamily="49" charset="0"/>
-                <a:cs typeface="Consolas" panose="020B0609020204030204" pitchFamily="49" charset="0"/>
-              </a:rPr>
-              <a:t>&gt;&gt; </a:t>
-            </a:r>
-            <a:r>
-              <a:rPr lang="en-US" sz="2400" dirty="0" err="1" smtClean="0">
-                <a:latin typeface="Consolas" panose="020B0609020204030204" pitchFamily="49" charset="0"/>
-                <a:cs typeface="Consolas" panose="020B0609020204030204" pitchFamily="49" charset="0"/>
-              </a:rPr>
-              <a:t>person.firstName</a:t>
-            </a:r>
-            <a:endParaRPr lang="en-US" sz="2400" dirty="0" smtClean="0">
-              <a:latin typeface="Consolas" panose="020B0609020204030204" pitchFamily="49" charset="0"/>
-              <a:cs typeface="Consolas" panose="020B0609020204030204" pitchFamily="49" charset="0"/>
-            </a:endParaRPr>
-          </a:p>
-          <a:p>
-            <a:endParaRPr lang="en-US" sz="2400" dirty="0">
-              <a:latin typeface="Consolas" panose="020B0609020204030204" pitchFamily="49" charset="0"/>
-              <a:cs typeface="Consolas" panose="020B0609020204030204" pitchFamily="49" charset="0"/>
-            </a:endParaRPr>
-          </a:p>
-          <a:p>
-            <a:r>
-              <a:rPr lang="en-US" sz="2400" dirty="0" smtClean="0">
-                <a:latin typeface="Consolas" panose="020B0609020204030204" pitchFamily="49" charset="0"/>
-                <a:cs typeface="Consolas" panose="020B0609020204030204" pitchFamily="49" charset="0"/>
-              </a:rPr>
-              <a:t>&gt;&gt; </a:t>
-            </a:r>
-            <a:r>
-              <a:rPr lang="en-US" sz="2400" dirty="0" err="1" smtClean="0">
-                <a:latin typeface="Consolas" panose="020B0609020204030204" pitchFamily="49" charset="0"/>
-                <a:cs typeface="Consolas" panose="020B0609020204030204" pitchFamily="49" charset="0"/>
-              </a:rPr>
-              <a:t>person.lastName</a:t>
-            </a:r>
-            <a:endParaRPr lang="en-US" sz="2400" dirty="0" smtClean="0">
-              <a:latin typeface="Consolas" panose="020B0609020204030204" pitchFamily="49" charset="0"/>
-              <a:cs typeface="Consolas" panose="020B0609020204030204" pitchFamily="49" charset="0"/>
-            </a:endParaRPr>
-          </a:p>
-          <a:p>
-            <a:endParaRPr lang="en-US" sz="2400" dirty="0">
-              <a:latin typeface="Consolas" panose="020B0609020204030204" pitchFamily="49" charset="0"/>
-              <a:cs typeface="Consolas" panose="020B0609020204030204" pitchFamily="49" charset="0"/>
-            </a:endParaRPr>
-          </a:p>
-          <a:p>
-            <a:r>
-              <a:rPr lang="en-US" sz="2400" dirty="0" smtClean="0">
-                <a:latin typeface="Consolas" panose="020B0609020204030204" pitchFamily="49" charset="0"/>
-                <a:cs typeface="Consolas" panose="020B0609020204030204" pitchFamily="49" charset="0"/>
-              </a:rPr>
-              <a:t>&gt;&gt; </a:t>
-            </a:r>
-            <a:r>
-              <a:rPr lang="en-US" sz="2400" dirty="0">
-                <a:latin typeface="Consolas" panose="020B0609020204030204" pitchFamily="49" charset="0"/>
-                <a:cs typeface="Consolas" panose="020B0609020204030204" pitchFamily="49" charset="0"/>
-              </a:rPr>
-              <a:t>person["</a:t>
-            </a:r>
-            <a:r>
-              <a:rPr lang="en-US" sz="2400" dirty="0" smtClean="0">
-                <a:latin typeface="Consolas" panose="020B0609020204030204" pitchFamily="49" charset="0"/>
-                <a:cs typeface="Consolas" panose="020B0609020204030204" pitchFamily="49" charset="0"/>
-              </a:rPr>
-              <a:t>age</a:t>
-            </a:r>
-            <a:r>
-              <a:rPr lang="en-US" sz="2400" dirty="0">
-                <a:latin typeface="Consolas" panose="020B0609020204030204" pitchFamily="49" charset="0"/>
-                <a:cs typeface="Consolas" panose="020B0609020204030204" pitchFamily="49" charset="0"/>
-              </a:rPr>
-              <a:t>"]</a:t>
-            </a:r>
-          </a:p>
-        </p:txBody>
-      </p:sp>
-      <p:sp>
-        <p:nvSpPr>
-          <p:cNvPr id="6" name="Rectangle 5"/>
-          <p:cNvSpPr/>
+      </p:pic>
+      <p:pic>
+        <p:nvPicPr>
+          <p:cNvPr id="4" name="Picture 3"/>
+          <p:cNvPicPr>
+            <a:picLocks noChangeAspect="1"/>
+          </p:cNvPicPr>
           <p:nvPr/>
-        </p:nvSpPr>
-        <p:spPr>
-          <a:xfrm>
-            <a:off x="5082988" y="1627672"/>
-            <a:ext cx="6696636" cy="523220"/>
+        </p:nvPicPr>
+        <p:blipFill>
+          <a:blip r:embed="rId3"/>
+          <a:stretch>
+            <a:fillRect/>
+          </a:stretch>
+        </p:blipFill>
+        <p:spPr>
+          <a:xfrm>
+            <a:off x="1480963" y="2548808"/>
+            <a:ext cx="5429250" cy="1104900"/>
           </a:xfrm>
           <a:prstGeom prst="rect">
             <a:avLst/>
           </a:prstGeom>
         </p:spPr>
-        <p:txBody>
-          <a:bodyPr wrap="square">
-            <a:spAutoFit/>
-          </a:bodyPr>
-          <a:lstStyle/>
-          <a:p>
-            <a:pPr marL="342900" indent="-342900">
-              <a:buFont typeface="Arial" panose="020B0604020202020204" pitchFamily="34" charset="0"/>
-              <a:buChar char="•"/>
-            </a:pPr>
-            <a:r>
-              <a:rPr lang="en-US" sz="2800" dirty="0" smtClean="0">
-                <a:cs typeface="Consolas" panose="020B0609020204030204" pitchFamily="49" charset="0"/>
-              </a:rPr>
-              <a:t>What’s the output of the following lines?</a:t>
-            </a:r>
-            <a:endParaRPr lang="en-US" sz="2800" dirty="0">
-              <a:cs typeface="Consolas" panose="020B0609020204030204" pitchFamily="49" charset="0"/>
-            </a:endParaRPr>
-          </a:p>
-        </p:txBody>
-      </p:sp>
-      <p:sp>
-        <p:nvSpPr>
-          <p:cNvPr id="7" name="Rectangle 6"/>
-          <p:cNvSpPr/>
-          <p:nvPr/>
-        </p:nvSpPr>
-        <p:spPr>
-          <a:xfrm>
-            <a:off x="996328" y="5345025"/>
-            <a:ext cx="9339977" cy="523220"/>
-          </a:xfrm>
-          <a:prstGeom prst="rect">
-            <a:avLst/>
-          </a:prstGeom>
-        </p:spPr>
-        <p:txBody>
-          <a:bodyPr wrap="square">
-            <a:spAutoFit/>
-          </a:bodyPr>
-          <a:lstStyle/>
-          <a:p>
-            <a:pPr marL="342900" indent="-342900">
-              <a:buFont typeface="Arial" panose="020B0604020202020204" pitchFamily="34" charset="0"/>
-              <a:buChar char="•"/>
-            </a:pPr>
-            <a:r>
-              <a:rPr lang="en-US" sz="2800" dirty="0" smtClean="0">
-                <a:cs typeface="Consolas" panose="020B0609020204030204" pitchFamily="49" charset="0"/>
-              </a:rPr>
-              <a:t>How would we change the person’s </a:t>
-            </a:r>
-            <a:r>
-              <a:rPr lang="en-US" sz="2800" dirty="0" err="1" smtClean="0">
-                <a:cs typeface="Consolas" panose="020B0609020204030204" pitchFamily="49" charset="0"/>
-              </a:rPr>
-              <a:t>eyeColor</a:t>
-            </a:r>
-            <a:r>
-              <a:rPr lang="en-US" sz="2800" dirty="0" smtClean="0">
-                <a:cs typeface="Consolas" panose="020B0609020204030204" pitchFamily="49" charset="0"/>
-              </a:rPr>
-              <a:t> to </a:t>
-            </a:r>
-            <a:r>
-              <a:rPr lang="en-US" sz="2800" dirty="0">
-                <a:latin typeface="Consolas" panose="020B0609020204030204" pitchFamily="49" charset="0"/>
-                <a:cs typeface="Consolas" panose="020B0609020204030204" pitchFamily="49" charset="0"/>
-              </a:rPr>
-              <a:t>"</a:t>
-            </a:r>
-            <a:r>
-              <a:rPr lang="en-US" sz="2800" dirty="0" smtClean="0">
-                <a:cs typeface="Consolas" panose="020B0609020204030204" pitchFamily="49" charset="0"/>
-              </a:rPr>
-              <a:t>blue</a:t>
-            </a:r>
-            <a:r>
-              <a:rPr lang="en-US" sz="2800" dirty="0">
-                <a:latin typeface="Consolas" panose="020B0609020204030204" pitchFamily="49" charset="0"/>
-                <a:cs typeface="Consolas" panose="020B0609020204030204" pitchFamily="49" charset="0"/>
-              </a:rPr>
-              <a:t>"</a:t>
-            </a:r>
-            <a:r>
-              <a:rPr lang="en-US" sz="2800" dirty="0" smtClean="0">
-                <a:cs typeface="Consolas" panose="020B0609020204030204" pitchFamily="49" charset="0"/>
-              </a:rPr>
-              <a:t>?</a:t>
-            </a:r>
-            <a:endParaRPr lang="en-US" sz="2800" dirty="0">
-              <a:cs typeface="Consolas" panose="020B0609020204030204" pitchFamily="49" charset="0"/>
-            </a:endParaRPr>
-          </a:p>
-        </p:txBody>
-      </p:sp>
-      <p:sp>
-        <p:nvSpPr>
-          <p:cNvPr id="4" name="Rectangle 3"/>
-          <p:cNvSpPr/>
-          <p:nvPr/>
-        </p:nvSpPr>
-        <p:spPr>
-          <a:xfrm>
-            <a:off x="2430682" y="4768056"/>
-            <a:ext cx="6096000" cy="584775"/>
-          </a:xfrm>
-          <a:prstGeom prst="rect">
-            <a:avLst/>
-          </a:prstGeom>
-        </p:spPr>
-        <p:txBody>
-          <a:bodyPr>
-            <a:spAutoFit/>
-          </a:bodyPr>
-          <a:lstStyle/>
-          <a:p>
-            <a:pPr algn="ctr"/>
-            <a:r>
-              <a:rPr lang="en-US" sz="3200" i="1" dirty="0" smtClean="0"/>
-              <a:t>Objects are mutable</a:t>
-            </a:r>
-            <a:endParaRPr lang="en-US" sz="3200" i="1" dirty="0"/>
-          </a:p>
-        </p:txBody>
-      </p:sp>
-      <p:sp>
-        <p:nvSpPr>
-          <p:cNvPr id="8" name="Rectangle 7"/>
-          <p:cNvSpPr/>
-          <p:nvPr/>
-        </p:nvSpPr>
-        <p:spPr>
-          <a:xfrm>
-            <a:off x="2430682" y="5868245"/>
-            <a:ext cx="4971213" cy="461665"/>
-          </a:xfrm>
-          <a:prstGeom prst="rect">
-            <a:avLst/>
-          </a:prstGeom>
-        </p:spPr>
-        <p:txBody>
-          <a:bodyPr wrap="square">
-            <a:spAutoFit/>
-          </a:bodyPr>
-          <a:lstStyle/>
-          <a:p>
-            <a:r>
-              <a:rPr lang="en-US" sz="2400" dirty="0" smtClean="0">
-                <a:latin typeface="Consolas" panose="020B0609020204030204" pitchFamily="49" charset="0"/>
-                <a:cs typeface="Consolas" panose="020B0609020204030204" pitchFamily="49" charset="0"/>
-              </a:rPr>
-              <a:t>&gt;&gt; </a:t>
-            </a:r>
-            <a:r>
-              <a:rPr lang="en-US" sz="2400" dirty="0" err="1" smtClean="0">
-                <a:latin typeface="Consolas" panose="020B0609020204030204" pitchFamily="49" charset="0"/>
-                <a:cs typeface="Consolas" panose="020B0609020204030204" pitchFamily="49" charset="0"/>
-              </a:rPr>
-              <a:t>person.eyeColor</a:t>
-            </a:r>
-            <a:r>
-              <a:rPr lang="en-US" sz="2400" dirty="0" smtClean="0">
-                <a:latin typeface="Consolas" panose="020B0609020204030204" pitchFamily="49" charset="0"/>
-                <a:cs typeface="Consolas" panose="020B0609020204030204" pitchFamily="49" charset="0"/>
-              </a:rPr>
-              <a:t> = </a:t>
-            </a:r>
-            <a:r>
-              <a:rPr lang="en-US" sz="2400" dirty="0">
-                <a:latin typeface="Consolas" panose="020B0609020204030204" pitchFamily="49" charset="0"/>
-                <a:cs typeface="Consolas" panose="020B0609020204030204" pitchFamily="49" charset="0"/>
-              </a:rPr>
-              <a:t>"</a:t>
-            </a:r>
-            <a:r>
-              <a:rPr lang="en-US" sz="2400" dirty="0" smtClean="0">
-                <a:latin typeface="Consolas" panose="020B0609020204030204" pitchFamily="49" charset="0"/>
-                <a:cs typeface="Consolas" panose="020B0609020204030204" pitchFamily="49" charset="0"/>
-              </a:rPr>
-              <a:t>blue</a:t>
-            </a:r>
-            <a:r>
-              <a:rPr lang="en-US" sz="2400" dirty="0">
-                <a:latin typeface="Consolas" panose="020B0609020204030204" pitchFamily="49" charset="0"/>
-                <a:cs typeface="Consolas" panose="020B0609020204030204" pitchFamily="49" charset="0"/>
-              </a:rPr>
-              <a:t>"</a:t>
-            </a:r>
-            <a:endParaRPr lang="en-US" sz="2400" dirty="0" smtClean="0">
-              <a:latin typeface="Consolas" panose="020B0609020204030204" pitchFamily="49" charset="0"/>
-              <a:cs typeface="Consolas" panose="020B0609020204030204" pitchFamily="49" charset="0"/>
-            </a:endParaRPr>
-          </a:p>
-        </p:txBody>
-      </p:sp>
-      <p:sp>
-        <p:nvSpPr>
-          <p:cNvPr id="9" name="Slide Number Placeholder 8"/>
+      </p:pic>
+      <p:sp>
+        <p:nvSpPr>
+          <p:cNvPr id="6" name="Slide Number Placeholder 5"/>
           <p:cNvSpPr>
             <a:spLocks noGrp="1"/>
           </p:cNvSpPr>
@@ -8218,7 +8218,7 @@
     </p:spTree>
     <p:extLst>
       <p:ext uri="{BB962C8B-B14F-4D97-AF65-F5344CB8AC3E}">
-        <p14:creationId xmlns:p14="http://schemas.microsoft.com/office/powerpoint/2010/main" val="2707601788"/>
+        <p14:creationId xmlns:p14="http://schemas.microsoft.com/office/powerpoint/2010/main" val="1300070385"/>
       </p:ext>
     </p:extLst>
   </p:cSld>
